--- a/v2扁平主题16-9.pptx
+++ b/v2扁平主题16-9.pptx
@@ -587,10 +587,10 @@
         </p:nvGrpSpPr>
         <p:grpSpPr>
           <a:xfrm>
-            <a:off x="599226" y="1732460"/>
-            <a:ext cx="10993549" cy="1907211"/>
-            <a:chOff x="599225" y="1732460"/>
-            <a:chExt cx="10993549" cy="1907211"/>
+            <a:off x="599226" y="1732459"/>
+            <a:ext cx="10993549" cy="1907212"/>
+            <a:chOff x="599225" y="1732459"/>
+            <a:chExt cx="10993549" cy="1907212"/>
           </a:xfrm>
         </p:grpSpPr>
         <p:sp>
@@ -661,8 +661,8 @@
           </p:nvSpPr>
           <p:spPr>
             <a:xfrm>
-              <a:off x="599225" y="1732460"/>
-              <a:ext cx="489346" cy="761407"/>
+              <a:off x="599225" y="1732459"/>
+              <a:ext cx="489346" cy="792000"/>
             </a:xfrm>
             <a:prstGeom prst="rect">
               <a:avLst/>
@@ -692,7 +692,7 @@
             <a:lstStyle/>
             <a:p>
               <a:pPr algn="ctr"/>
-              <a:endParaRPr kumimoji="1" lang="zh-CN" altLang="en-US"/>
+              <a:endParaRPr kumimoji="1" lang="zh-CN" altLang="en-US" dirty="0"/>
             </a:p>
           </p:txBody>
         </p:sp>
@@ -729,7 +729,7 @@
           </a:bodyPr>
           <a:lstStyle>
             <a:lvl1pPr algn="ctr">
-              <a:defRPr lang="en-US" altLang="en-US" sz="4000" b="0" kern="1200" cap="all" dirty="0">
+              <a:defRPr lang="en-US" altLang="en-US" sz="4000" b="0" kern="1200" cap="none" baseline="0" dirty="0">
                 <a:solidFill>
                   <a:srgbClr val="5C307D"/>
                 </a:solidFill>
@@ -777,7 +777,7 @@
           <a:lstStyle>
             <a:lvl1pPr marL="0" indent="0" algn="ctr">
               <a:buNone/>
-              <a:defRPr sz="2000" cap="all">
+              <a:defRPr sz="2000" cap="none" baseline="0">
                 <a:solidFill>
                   <a:schemeClr val="accent2"/>
                 </a:solidFill>
@@ -1020,7 +1020,7 @@
           </a:lstStyle>
           <a:p>
             <a:r>
-              <a:rPr lang="zh-CN" altLang="en-US"/>
+              <a:rPr lang="zh-CN" altLang="en-US" dirty="0"/>
               <a:t>单击此处编辑母版标题样式</a:t>
             </a:r>
             <a:endParaRPr lang="en-US" dirty="0"/>
@@ -1411,7 +1411,7 @@
           <a:lstStyle/>
           <a:p>
             <a:r>
-              <a:rPr kumimoji="1" lang="zh-CN" altLang="en-US"/>
+              <a:rPr kumimoji="1" lang="zh-CN" altLang="en-US" dirty="0"/>
               <a:t>单击此处编辑母版标题样式</a:t>
             </a:r>
           </a:p>
@@ -1727,35 +1727,35 @@
           <a:p>
             <a:pPr lvl="0"/>
             <a:r>
-              <a:rPr lang="zh-CN" altLang="en-US"/>
+              <a:rPr lang="zh-CN" altLang="en-US" dirty="0"/>
               <a:t>单击此处编辑母版文本样式</a:t>
             </a:r>
           </a:p>
           <a:p>
             <a:pPr lvl="1"/>
             <a:r>
-              <a:rPr lang="zh-CN" altLang="en-US"/>
+              <a:rPr lang="zh-CN" altLang="en-US" dirty="0"/>
               <a:t>二级</a:t>
             </a:r>
           </a:p>
           <a:p>
             <a:pPr lvl="2"/>
             <a:r>
-              <a:rPr lang="zh-CN" altLang="en-US"/>
+              <a:rPr lang="zh-CN" altLang="en-US" dirty="0"/>
               <a:t>三级</a:t>
             </a:r>
           </a:p>
           <a:p>
             <a:pPr lvl="3"/>
             <a:r>
-              <a:rPr lang="zh-CN" altLang="en-US"/>
+              <a:rPr lang="zh-CN" altLang="en-US" dirty="0"/>
               <a:t>四级</a:t>
             </a:r>
           </a:p>
           <a:p>
             <a:pPr lvl="4"/>
             <a:r>
-              <a:rPr lang="zh-CN" altLang="en-US"/>
+              <a:rPr lang="zh-CN" altLang="en-US" dirty="0"/>
               <a:t>五级</a:t>
             </a:r>
             <a:endParaRPr lang="en-US" dirty="0"/>
@@ -2138,9 +2138,9 @@
           <p:nvPr userDrawn="1"/>
         </p:nvSpPr>
         <p:spPr>
-          <a:xfrm rot="5400000">
-            <a:off x="623114" y="742857"/>
-            <a:ext cx="505600" cy="360000"/>
+          <a:xfrm>
+            <a:off x="695915" y="678673"/>
+            <a:ext cx="360000" cy="583200"/>
           </a:xfrm>
           <a:prstGeom prst="rect">
             <a:avLst/>
@@ -2182,8 +2182,8 @@
         </p:nvSpPr>
         <p:spPr>
           <a:xfrm>
-            <a:off x="702021" y="1175657"/>
-            <a:ext cx="353894" cy="5151198"/>
+            <a:off x="695915" y="1261873"/>
+            <a:ext cx="360000" cy="4917454"/>
           </a:xfrm>
           <a:prstGeom prst="rect">
             <a:avLst/>
@@ -2408,7 +2408,7 @@
           </a:bodyPr>
           <a:lstStyle>
             <a:lvl1pPr algn="l">
-              <a:defRPr lang="en-US" altLang="en-US" sz="3600" b="0" kern="1200" cap="all" dirty="0">
+              <a:defRPr lang="en-US" altLang="en-US" sz="3600" b="0" kern="1200" cap="none" baseline="0" dirty="0">
                 <a:solidFill>
                   <a:srgbClr val="5C307D"/>
                 </a:solidFill>
@@ -2456,7 +2456,7 @@
           <a:lstStyle>
             <a:lvl1pPr marL="0" indent="0" algn="l">
               <a:buNone/>
-              <a:defRPr sz="2000" cap="all">
+              <a:defRPr sz="2000" cap="none" baseline="0">
                 <a:solidFill>
                   <a:schemeClr val="accent2"/>
                 </a:solidFill>
@@ -2704,35 +2704,35 @@
           <a:p>
             <a:pPr lvl="0"/>
             <a:r>
-              <a:rPr lang="zh-CN" altLang="en-US"/>
+              <a:rPr lang="zh-CN" altLang="en-US" dirty="0"/>
               <a:t>单击此处编辑母版文本样式</a:t>
             </a:r>
           </a:p>
           <a:p>
             <a:pPr lvl="1"/>
             <a:r>
-              <a:rPr lang="zh-CN" altLang="en-US"/>
+              <a:rPr lang="zh-CN" altLang="en-US" dirty="0"/>
               <a:t>二级</a:t>
             </a:r>
           </a:p>
           <a:p>
             <a:pPr lvl="2"/>
             <a:r>
-              <a:rPr lang="zh-CN" altLang="en-US"/>
+              <a:rPr lang="zh-CN" altLang="en-US" dirty="0"/>
               <a:t>三级</a:t>
             </a:r>
           </a:p>
           <a:p>
             <a:pPr lvl="3"/>
             <a:r>
-              <a:rPr lang="zh-CN" altLang="en-US"/>
+              <a:rPr lang="zh-CN" altLang="en-US" dirty="0"/>
               <a:t>四级</a:t>
             </a:r>
           </a:p>
           <a:p>
             <a:pPr lvl="4"/>
             <a:r>
-              <a:rPr lang="zh-CN" altLang="en-US"/>
+              <a:rPr lang="zh-CN" altLang="en-US" dirty="0"/>
               <a:t>五级</a:t>
             </a:r>
             <a:endParaRPr lang="en-US" dirty="0"/>
@@ -2763,35 +2763,35 @@
           <a:p>
             <a:pPr lvl="0"/>
             <a:r>
-              <a:rPr lang="zh-CN" altLang="en-US"/>
+              <a:rPr lang="zh-CN" altLang="en-US" dirty="0"/>
               <a:t>单击此处编辑母版文本样式</a:t>
             </a:r>
           </a:p>
           <a:p>
             <a:pPr lvl="1"/>
             <a:r>
-              <a:rPr lang="zh-CN" altLang="en-US"/>
+              <a:rPr lang="zh-CN" altLang="en-US" dirty="0"/>
               <a:t>二级</a:t>
             </a:r>
           </a:p>
           <a:p>
             <a:pPr lvl="2"/>
             <a:r>
-              <a:rPr lang="zh-CN" altLang="en-US"/>
+              <a:rPr lang="zh-CN" altLang="en-US" dirty="0"/>
               <a:t>三级</a:t>
             </a:r>
           </a:p>
           <a:p>
             <a:pPr lvl="3"/>
             <a:r>
-              <a:rPr lang="zh-CN" altLang="en-US"/>
+              <a:rPr lang="zh-CN" altLang="en-US" dirty="0"/>
               <a:t>四级</a:t>
             </a:r>
           </a:p>
           <a:p>
             <a:pPr lvl="4"/>
             <a:r>
-              <a:rPr lang="zh-CN" altLang="en-US"/>
+              <a:rPr lang="zh-CN" altLang="en-US" dirty="0"/>
               <a:t>五级</a:t>
             </a:r>
             <a:endParaRPr lang="en-US" dirty="0"/>
@@ -2986,7 +2986,7 @@
           <a:p>
             <a:pPr lvl="0"/>
             <a:r>
-              <a:rPr lang="zh-CN" altLang="en-US"/>
+              <a:rPr lang="zh-CN" altLang="en-US" dirty="0"/>
               <a:t>单击此处编辑母版文本样式</a:t>
             </a:r>
           </a:p>
@@ -3016,35 +3016,35 @@
           <a:p>
             <a:pPr lvl="0"/>
             <a:r>
-              <a:rPr lang="zh-CN" altLang="en-US"/>
+              <a:rPr lang="zh-CN" altLang="en-US" dirty="0"/>
               <a:t>单击此处编辑母版文本样式</a:t>
             </a:r>
           </a:p>
           <a:p>
             <a:pPr lvl="1"/>
             <a:r>
-              <a:rPr lang="zh-CN" altLang="en-US"/>
+              <a:rPr lang="zh-CN" altLang="en-US" dirty="0"/>
               <a:t>二级</a:t>
             </a:r>
           </a:p>
           <a:p>
             <a:pPr lvl="2"/>
             <a:r>
-              <a:rPr lang="zh-CN" altLang="en-US"/>
+              <a:rPr lang="zh-CN" altLang="en-US" dirty="0"/>
               <a:t>三级</a:t>
             </a:r>
           </a:p>
           <a:p>
             <a:pPr lvl="3"/>
             <a:r>
-              <a:rPr lang="zh-CN" altLang="en-US"/>
+              <a:rPr lang="zh-CN" altLang="en-US" dirty="0"/>
               <a:t>四级</a:t>
             </a:r>
           </a:p>
           <a:p>
             <a:pPr lvl="4"/>
             <a:r>
-              <a:rPr lang="zh-CN" altLang="en-US"/>
+              <a:rPr lang="zh-CN" altLang="en-US" dirty="0"/>
               <a:t>五级</a:t>
             </a:r>
             <a:endParaRPr lang="en-US" dirty="0"/>
@@ -3116,7 +3116,7 @@
           <a:p>
             <a:pPr lvl="0"/>
             <a:r>
-              <a:rPr lang="zh-CN" altLang="en-US"/>
+              <a:rPr lang="zh-CN" altLang="en-US" dirty="0"/>
               <a:t>单击此处编辑母版文本样式</a:t>
             </a:r>
           </a:p>
@@ -3146,35 +3146,35 @@
           <a:p>
             <a:pPr lvl="0"/>
             <a:r>
-              <a:rPr lang="zh-CN" altLang="en-US"/>
+              <a:rPr lang="zh-CN" altLang="en-US" dirty="0"/>
               <a:t>单击此处编辑母版文本样式</a:t>
             </a:r>
           </a:p>
           <a:p>
             <a:pPr lvl="1"/>
             <a:r>
-              <a:rPr lang="zh-CN" altLang="en-US"/>
+              <a:rPr lang="zh-CN" altLang="en-US" dirty="0"/>
               <a:t>二级</a:t>
             </a:r>
           </a:p>
           <a:p>
             <a:pPr lvl="2"/>
             <a:r>
-              <a:rPr lang="zh-CN" altLang="en-US"/>
+              <a:rPr lang="zh-CN" altLang="en-US" dirty="0"/>
               <a:t>三级</a:t>
             </a:r>
           </a:p>
           <a:p>
             <a:pPr lvl="3"/>
             <a:r>
-              <a:rPr lang="zh-CN" altLang="en-US"/>
+              <a:rPr lang="zh-CN" altLang="en-US" dirty="0"/>
               <a:t>四级</a:t>
             </a:r>
           </a:p>
           <a:p>
             <a:pPr lvl="4"/>
             <a:r>
-              <a:rPr lang="zh-CN" altLang="en-US"/>
+              <a:rPr lang="zh-CN" altLang="en-US" dirty="0"/>
               <a:t>五级</a:t>
             </a:r>
             <a:endParaRPr lang="en-US" dirty="0"/>
@@ -3268,7 +3268,7 @@
           <a:lstStyle/>
           <a:p>
             <a:r>
-              <a:rPr kumimoji="1" lang="zh-CN" altLang="en-US"/>
+              <a:rPr kumimoji="1" lang="zh-CN" altLang="en-US" dirty="0"/>
               <a:t>单击此处编辑母版标题样式</a:t>
             </a:r>
           </a:p>
@@ -3391,7 +3391,7 @@
           <a:lstStyle/>
           <a:p>
             <a:r>
-              <a:rPr kumimoji="1" lang="zh-CN" altLang="en-US"/>
+              <a:rPr kumimoji="1" lang="zh-CN" altLang="en-US" dirty="0"/>
               <a:t>单击此处编辑母版标题样式</a:t>
             </a:r>
           </a:p>
@@ -3696,35 +3696,35 @@
           <a:p>
             <a:pPr lvl="0"/>
             <a:r>
-              <a:rPr lang="zh-CN" altLang="en-US"/>
+              <a:rPr lang="zh-CN" altLang="en-US" dirty="0"/>
               <a:t>单击此处编辑母版文本样式</a:t>
             </a:r>
           </a:p>
           <a:p>
             <a:pPr lvl="1"/>
             <a:r>
-              <a:rPr lang="zh-CN" altLang="en-US"/>
+              <a:rPr lang="zh-CN" altLang="en-US" dirty="0"/>
               <a:t>二级</a:t>
             </a:r>
           </a:p>
           <a:p>
             <a:pPr lvl="2"/>
             <a:r>
-              <a:rPr lang="zh-CN" altLang="en-US"/>
+              <a:rPr lang="zh-CN" altLang="en-US" dirty="0"/>
               <a:t>三级</a:t>
             </a:r>
           </a:p>
           <a:p>
             <a:pPr lvl="3"/>
             <a:r>
-              <a:rPr lang="zh-CN" altLang="en-US"/>
+              <a:rPr lang="zh-CN" altLang="en-US" dirty="0"/>
               <a:t>四级</a:t>
             </a:r>
           </a:p>
           <a:p>
             <a:pPr lvl="4"/>
             <a:r>
-              <a:rPr lang="zh-CN" altLang="en-US"/>
+              <a:rPr lang="zh-CN" altLang="en-US" dirty="0"/>
               <a:t>五级</a:t>
             </a:r>
             <a:endParaRPr lang="en-US" dirty="0"/>
@@ -4247,7 +4247,7 @@
           <a:spcPct val="0"/>
         </a:spcBef>
         <a:buNone/>
-        <a:defRPr sz="2800" b="0" kern="1200" cap="all">
+        <a:defRPr sz="2800" b="0" kern="1200" cap="none" baseline="0">
           <a:solidFill>
             <a:srgbClr val="5C307D"/>
           </a:solidFill>
@@ -4809,16 +4809,22 @@
           <a:p>
             <a:r>
               <a:rPr kumimoji="1" lang="zh-CN" altLang="en-US" dirty="0"/>
-              <a:t>一</a:t>
-            </a:r>
-            <a:endParaRPr kumimoji="1" lang="en-US" altLang="zh-CN" dirty="0"/>
+              <a:t>一 </a:t>
+            </a:r>
+            <a:r>
+              <a:rPr kumimoji="1" lang="en-US" altLang="zh-CN" dirty="0"/>
+              <a:t>1.618</a:t>
+            </a:r>
           </a:p>
           <a:p>
             <a:r>
               <a:rPr kumimoji="1" lang="zh-CN" altLang="en-US" dirty="0"/>
-              <a:t>二</a:t>
-            </a:r>
-            <a:endParaRPr kumimoji="1" lang="en-US" altLang="zh-CN" dirty="0"/>
+              <a:t>二 </a:t>
+            </a:r>
+            <a:r>
+              <a:rPr kumimoji="1" lang="en-US" altLang="zh-CN" dirty="0"/>
+              <a:t>0.618</a:t>
+            </a:r>
           </a:p>
           <a:p>
             <a:r>
@@ -4851,8 +4857,13 @@
           <a:p>
             <a:r>
               <a:rPr kumimoji="1" lang="zh-CN" altLang="en-US" dirty="0"/>
-              <a:t>目录</a:t>
-            </a:r>
+              <a:t>目录 </a:t>
+            </a:r>
+            <a:r>
+              <a:rPr kumimoji="1" lang="en-US" altLang="zh-CN" dirty="0"/>
+              <a:t>Contents</a:t>
+            </a:r>
+            <a:endParaRPr kumimoji="1" lang="zh-CN" altLang="en-US" dirty="0"/>
           </a:p>
         </p:txBody>
       </p:sp>
@@ -4944,6 +4955,13 @@
             <a:endParaRPr kumimoji="1" lang="en-US" altLang="zh-CN" dirty="0"/>
           </a:p>
           <a:p>
+            <a:r>
+              <a:rPr kumimoji="1" lang="zh-CN" altLang="en-US" dirty="0"/>
+              <a:t>本模板已取消英文在标题中全部大写的设置</a:t>
+            </a:r>
+            <a:endParaRPr kumimoji="1" lang="en-US" altLang="zh-CN" dirty="0"/>
+          </a:p>
+          <a:p>
             <a:endParaRPr kumimoji="1" lang="zh-CN" altLang="en-US" dirty="0"/>
           </a:p>
         </p:txBody>
@@ -5225,8 +5243,13 @@
           <a:p>
             <a:r>
               <a:rPr kumimoji="1" lang="zh-CN" altLang="en-US" dirty="0"/>
-              <a:t>艾敝舍</a:t>
-            </a:r>
+              <a:t>艾敝舍 </a:t>
+            </a:r>
+            <a:r>
+              <a:rPr kumimoji="1" lang="en-US" altLang="zh-CN" dirty="0"/>
+              <a:t>Title Here</a:t>
+            </a:r>
+            <a:endParaRPr kumimoji="1" lang="zh-CN" altLang="en-US" dirty="0"/>
           </a:p>
         </p:txBody>
       </p:sp>
@@ -5516,7 +5539,7 @@
           <a:bodyPr/>
           <a:lstStyle/>
           <a:p>
-            <a:endParaRPr kumimoji="1" lang="zh-CN" altLang="en-US"/>
+            <a:endParaRPr kumimoji="1" lang="zh-CN" altLang="en-US" dirty="0"/>
           </a:p>
         </p:txBody>
       </p:sp>

--- a/v2扁平主题16-9.pptx
+++ b/v2扁平主题16-9.pptx
@@ -205,7 +205,7 @@
           <a:p>
             <a:fld id="{BDA51940-DB52-3B48-AABB-9C7938529E4E}" type="datetimeFigureOut">
               <a:rPr kumimoji="1" lang="zh-CN" altLang="en-US" smtClean="0"/>
-              <a:t>2021/11/3</a:t>
+              <a:t>2021/11/10</a:t>
             </a:fld>
             <a:endParaRPr kumimoji="1" lang="zh-CN" altLang="en-US"/>
           </a:p>
@@ -896,7 +896,7 @@
           <a:p>
             <a:fld id="{E4551058-E5DB-324A-A8E9-6D3BEF243C3B}" type="datetimeFigureOut">
               <a:rPr kumimoji="1" lang="zh-CN" altLang="en-US" smtClean="0"/>
-              <a:t>2021/11/3</a:t>
+              <a:t>2021/11/10</a:t>
             </a:fld>
             <a:endParaRPr kumimoji="1" lang="zh-CN" altLang="en-US"/>
           </a:p>
@@ -1178,7 +1178,7 @@
           <a:p>
             <a:fld id="{E4551058-E5DB-324A-A8E9-6D3BEF243C3B}" type="datetimeFigureOut">
               <a:rPr kumimoji="1" lang="zh-CN" altLang="en-US" smtClean="0"/>
-              <a:t>2021/11/3</a:t>
+              <a:t>2021/11/10</a:t>
             </a:fld>
             <a:endParaRPr kumimoji="1" lang="zh-CN" altLang="en-US"/>
           </a:p>
@@ -1341,7 +1341,7 @@
           <a:p>
             <a:fld id="{E4551058-E5DB-324A-A8E9-6D3BEF243C3B}" type="datetimeFigureOut">
               <a:rPr kumimoji="1" lang="zh-CN" altLang="en-US" smtClean="0"/>
-              <a:t>2021/11/3</a:t>
+              <a:t>2021/11/10</a:t>
             </a:fld>
             <a:endParaRPr kumimoji="1" lang="zh-CN" altLang="en-US"/>
           </a:p>
@@ -1615,7 +1615,7 @@
           <a:p>
             <a:fld id="{E4551058-E5DB-324A-A8E9-6D3BEF243C3B}" type="datetimeFigureOut">
               <a:rPr kumimoji="1" lang="zh-CN" altLang="en-US" smtClean="0"/>
-              <a:t>2021/11/3</a:t>
+              <a:t>2021/11/10</a:t>
             </a:fld>
             <a:endParaRPr kumimoji="1" lang="zh-CN" altLang="en-US"/>
           </a:p>
@@ -1813,7 +1813,7 @@
           <a:p>
             <a:fld id="{E4551058-E5DB-324A-A8E9-6D3BEF243C3B}" type="datetimeFigureOut">
               <a:rPr kumimoji="1" lang="zh-CN" altLang="en-US" smtClean="0"/>
-              <a:t>2021/11/3</a:t>
+              <a:t>2021/11/10</a:t>
             </a:fld>
             <a:endParaRPr kumimoji="1" lang="zh-CN" altLang="en-US"/>
           </a:p>
@@ -2012,7 +2012,7 @@
           <a:p>
             <a:fld id="{E4551058-E5DB-324A-A8E9-6D3BEF243C3B}" type="datetimeFigureOut">
               <a:rPr kumimoji="1" lang="zh-CN" altLang="en-US" smtClean="0"/>
-              <a:t>2021/11/3</a:t>
+              <a:t>2021/11/10</a:t>
             </a:fld>
             <a:endParaRPr kumimoji="1" lang="zh-CN" altLang="en-US"/>
           </a:p>
@@ -2580,7 +2580,7 @@
           <a:p>
             <a:fld id="{E4551058-E5DB-324A-A8E9-6D3BEF243C3B}" type="datetimeFigureOut">
               <a:rPr kumimoji="1" lang="zh-CN" altLang="en-US" smtClean="0"/>
-              <a:t>2021/11/3</a:t>
+              <a:t>2021/11/10</a:t>
             </a:fld>
             <a:endParaRPr kumimoji="1" lang="zh-CN" altLang="en-US"/>
           </a:p>
@@ -2815,7 +2815,7 @@
           <a:p>
             <a:fld id="{E4551058-E5DB-324A-A8E9-6D3BEF243C3B}" type="datetimeFigureOut">
               <a:rPr kumimoji="1" lang="zh-CN" altLang="en-US" smtClean="0"/>
-              <a:t>2021/11/3</a:t>
+              <a:t>2021/11/10</a:t>
             </a:fld>
             <a:endParaRPr kumimoji="1" lang="zh-CN" altLang="en-US"/>
           </a:p>
@@ -3198,7 +3198,7 @@
           <a:p>
             <a:fld id="{E4551058-E5DB-324A-A8E9-6D3BEF243C3B}" type="datetimeFigureOut">
               <a:rPr kumimoji="1" lang="zh-CN" altLang="en-US" smtClean="0"/>
-              <a:t>2021/11/3</a:t>
+              <a:t>2021/11/10</a:t>
             </a:fld>
             <a:endParaRPr kumimoji="1" lang="zh-CN" altLang="en-US"/>
           </a:p>
@@ -3321,7 +3321,7 @@
           <a:p>
             <a:fld id="{E4551058-E5DB-324A-A8E9-6D3BEF243C3B}" type="datetimeFigureOut">
               <a:rPr kumimoji="1" lang="zh-CN" altLang="en-US" smtClean="0"/>
-              <a:t>2021/11/3</a:t>
+              <a:t>2021/11/10</a:t>
             </a:fld>
             <a:endParaRPr kumimoji="1" lang="zh-CN" altLang="en-US"/>
           </a:p>
@@ -3444,7 +3444,7 @@
           <a:p>
             <a:fld id="{E4551058-E5DB-324A-A8E9-6D3BEF243C3B}" type="datetimeFigureOut">
               <a:rPr kumimoji="1" lang="zh-CN" altLang="en-US" smtClean="0"/>
-              <a:t>2021/11/3</a:t>
+              <a:t>2021/11/10</a:t>
             </a:fld>
             <a:endParaRPr kumimoji="1" lang="zh-CN" altLang="en-US"/>
           </a:p>
@@ -3835,7 +3835,7 @@
           <a:p>
             <a:fld id="{E4551058-E5DB-324A-A8E9-6D3BEF243C3B}" type="datetimeFigureOut">
               <a:rPr kumimoji="1" lang="zh-CN" altLang="en-US" smtClean="0"/>
-              <a:t>2021/11/3</a:t>
+              <a:t>2021/11/10</a:t>
             </a:fld>
             <a:endParaRPr kumimoji="1" lang="zh-CN" altLang="en-US"/>
           </a:p>
@@ -4083,7 +4083,7 @@
           <a:p>
             <a:fld id="{E4551058-E5DB-324A-A8E9-6D3BEF243C3B}" type="datetimeFigureOut">
               <a:rPr kumimoji="1" lang="zh-CN" altLang="en-US" smtClean="0"/>
-              <a:t>2021/11/3</a:t>
+              <a:t>2021/11/10</a:t>
             </a:fld>
             <a:endParaRPr kumimoji="1" lang="zh-CN" altLang="en-US"/>
           </a:p>
@@ -5341,10 +5341,10 @@
       </p:sp>
       <p:pic>
         <p:nvPicPr>
-          <p:cNvPr id="5" name="图片 4">
+          <p:cNvPr id="6" name="图片 5">
             <a:extLst>
               <a:ext uri="{FF2B5EF4-FFF2-40B4-BE49-F238E27FC236}">
-                <a16:creationId xmlns:a16="http://schemas.microsoft.com/office/drawing/2014/main" id="{89C88FB9-3589-674F-B4C6-3CCD0C38C880}"/>
+                <a16:creationId xmlns:a16="http://schemas.microsoft.com/office/drawing/2014/main" id="{BA491F93-CF1B-441A-978B-92FFCDF2C867}"/>
               </a:ext>
             </a:extLst>
           </p:cNvPr>
@@ -5361,8 +5361,8 @@
         </p:blipFill>
         <p:spPr>
           <a:xfrm>
-            <a:off x="2527228" y="780320"/>
-            <a:ext cx="7137544" cy="3364006"/>
+            <a:off x="4506413" y="741762"/>
+            <a:ext cx="3179173" cy="3653915"/>
           </a:xfrm>
           <a:prstGeom prst="rect">
             <a:avLst/>

--- a/v2扁平主题16-9.pptx
+++ b/v2扁平主题16-9.pptx
@@ -205,7 +205,7 @@
           <a:p>
             <a:fld id="{BDA51940-DB52-3B48-AABB-9C7938529E4E}" type="datetimeFigureOut">
               <a:rPr kumimoji="1" lang="zh-CN" altLang="en-US" smtClean="0"/>
-              <a:t>2021/11/10</a:t>
+              <a:t>2022/6/9</a:t>
             </a:fld>
             <a:endParaRPr kumimoji="1" lang="zh-CN" altLang="en-US"/>
           </a:p>
@@ -667,6 +667,9 @@
             <a:prstGeom prst="rect">
               <a:avLst/>
             </a:prstGeom>
+            <a:solidFill>
+              <a:srgbClr val="660874"/>
+            </a:solidFill>
             <a:ln>
               <a:noFill/>
             </a:ln>
@@ -697,57 +700,6 @@
           </p:txBody>
         </p:sp>
       </p:grpSp>
-      <p:sp>
-        <p:nvSpPr>
-          <p:cNvPr id="12" name="Title 1">
-            <a:extLst>
-              <a:ext uri="{FF2B5EF4-FFF2-40B4-BE49-F238E27FC236}">
-                <a16:creationId xmlns:a16="http://schemas.microsoft.com/office/drawing/2014/main" id="{43FE9298-60C2-9548-BC1E-E8694904B371}"/>
-              </a:ext>
-            </a:extLst>
-          </p:cNvPr>
-          <p:cNvSpPr>
-            <a:spLocks noGrp="1"/>
-          </p:cNvSpPr>
-          <p:nvPr>
-            <p:ph type="ctrTitle"/>
-          </p:nvPr>
-        </p:nvSpPr>
-        <p:spPr>
-          <a:xfrm>
-            <a:off x="1221832" y="2028084"/>
-            <a:ext cx="9748336" cy="1316799"/>
-          </a:xfrm>
-          <a:prstGeom prst="rect">
-            <a:avLst/>
-          </a:prstGeom>
-          <a:effectLst/>
-        </p:spPr>
-        <p:txBody>
-          <a:bodyPr anchor="ctr">
-            <a:normAutofit/>
-          </a:bodyPr>
-          <a:lstStyle>
-            <a:lvl1pPr algn="ctr">
-              <a:defRPr lang="en-US" altLang="en-US" sz="4000" b="0" kern="1200" cap="none" baseline="0" dirty="0">
-                <a:solidFill>
-                  <a:srgbClr val="5C307D"/>
-                </a:solidFill>
-                <a:latin typeface="+mj-lt"/>
-                <a:ea typeface="+mj-ea"/>
-                <a:cs typeface="+mj-cs"/>
-              </a:defRPr>
-            </a:lvl1pPr>
-          </a:lstStyle>
-          <a:p>
-            <a:r>
-              <a:rPr lang="zh-CN" altLang="en-US" dirty="0"/>
-              <a:t>单击此处编辑母版标题样式</a:t>
-            </a:r>
-            <a:endParaRPr lang="en-US" dirty="0"/>
-          </a:p>
-        </p:txBody>
-      </p:sp>
       <p:sp>
         <p:nvSpPr>
           <p:cNvPr id="13" name="Subtitle 2">
@@ -896,7 +848,7 @@
           <a:p>
             <a:fld id="{E4551058-E5DB-324A-A8E9-6D3BEF243C3B}" type="datetimeFigureOut">
               <a:rPr kumimoji="1" lang="zh-CN" altLang="en-US" smtClean="0"/>
-              <a:t>2021/11/10</a:t>
+              <a:t>2022/6/9</a:t>
             </a:fld>
             <a:endParaRPr kumimoji="1" lang="zh-CN" altLang="en-US"/>
           </a:p>
@@ -953,6 +905,45 @@
               <a:t>‹#›</a:t>
             </a:fld>
             <a:endParaRPr kumimoji="1" lang="zh-CN" altLang="en-US"/>
+          </a:p>
+        </p:txBody>
+      </p:sp>
+      <p:sp>
+        <p:nvSpPr>
+          <p:cNvPr id="6" name="标题 5">
+            <a:extLst>
+              <a:ext uri="{FF2B5EF4-FFF2-40B4-BE49-F238E27FC236}">
+                <a16:creationId xmlns:a16="http://schemas.microsoft.com/office/drawing/2014/main" id="{030AE285-88AF-E941-9028-A7F40F9D5028}"/>
+              </a:ext>
+            </a:extLst>
+          </p:cNvPr>
+          <p:cNvSpPr>
+            <a:spLocks noGrp="1"/>
+          </p:cNvSpPr>
+          <p:nvPr>
+            <p:ph type="title"/>
+          </p:nvPr>
+        </p:nvSpPr>
+        <p:spPr>
+          <a:xfrm>
+            <a:off x="1221831" y="2028083"/>
+            <a:ext cx="9748800" cy="1317600"/>
+          </a:xfrm>
+        </p:spPr>
+        <p:txBody>
+          <a:bodyPr>
+            <a:normAutofit/>
+          </a:bodyPr>
+          <a:lstStyle>
+            <a:lvl1pPr algn="ctr">
+              <a:defRPr sz="4000"/>
+            </a:lvl1pPr>
+          </a:lstStyle>
+          <a:p>
+            <a:r>
+              <a:rPr kumimoji="1" lang="zh-CN" altLang="en-US" dirty="0"/>
+              <a:t>单击此处编辑母版标题样式</a:t>
+            </a:r>
           </a:p>
         </p:txBody>
       </p:sp>
@@ -1178,7 +1169,7 @@
           <a:p>
             <a:fld id="{E4551058-E5DB-324A-A8E9-6D3BEF243C3B}" type="datetimeFigureOut">
               <a:rPr kumimoji="1" lang="zh-CN" altLang="en-US" smtClean="0"/>
-              <a:t>2021/11/10</a:t>
+              <a:t>2022/6/9</a:t>
             </a:fld>
             <a:endParaRPr kumimoji="1" lang="zh-CN" altLang="en-US"/>
           </a:p>
@@ -1341,7 +1332,7 @@
           <a:p>
             <a:fld id="{E4551058-E5DB-324A-A8E9-6D3BEF243C3B}" type="datetimeFigureOut">
               <a:rPr kumimoji="1" lang="zh-CN" altLang="en-US" smtClean="0"/>
-              <a:t>2021/11/10</a:t>
+              <a:t>2022/6/9</a:t>
             </a:fld>
             <a:endParaRPr kumimoji="1" lang="zh-CN" altLang="en-US"/>
           </a:p>
@@ -1615,7 +1606,7 @@
           <a:p>
             <a:fld id="{E4551058-E5DB-324A-A8E9-6D3BEF243C3B}" type="datetimeFigureOut">
               <a:rPr kumimoji="1" lang="zh-CN" altLang="en-US" smtClean="0"/>
-              <a:t>2021/11/10</a:t>
+              <a:t>2022/6/9</a:t>
             </a:fld>
             <a:endParaRPr kumimoji="1" lang="zh-CN" altLang="en-US"/>
           </a:p>
@@ -1813,7 +1804,7 @@
           <a:p>
             <a:fld id="{E4551058-E5DB-324A-A8E9-6D3BEF243C3B}" type="datetimeFigureOut">
               <a:rPr kumimoji="1" lang="zh-CN" altLang="en-US" smtClean="0"/>
-              <a:t>2021/11/10</a:t>
+              <a:t>2022/6/9</a:t>
             </a:fld>
             <a:endParaRPr kumimoji="1" lang="zh-CN" altLang="en-US"/>
           </a:p>
@@ -2012,7 +2003,7 @@
           <a:p>
             <a:fld id="{E4551058-E5DB-324A-A8E9-6D3BEF243C3B}" type="datetimeFigureOut">
               <a:rPr kumimoji="1" lang="zh-CN" altLang="en-US" smtClean="0"/>
-              <a:t>2021/11/10</a:t>
+              <a:t>2022/6/9</a:t>
             </a:fld>
             <a:endParaRPr kumimoji="1" lang="zh-CN" altLang="en-US"/>
           </a:p>
@@ -2378,10 +2369,10 @@
       </p:grpSp>
       <p:sp>
         <p:nvSpPr>
-          <p:cNvPr id="24" name="Title 1">
+          <p:cNvPr id="27" name="日期占位符 10">
             <a:extLst>
               <a:ext uri="{FF2B5EF4-FFF2-40B4-BE49-F238E27FC236}">
-                <a16:creationId xmlns:a16="http://schemas.microsoft.com/office/drawing/2014/main" id="{B3AEDE27-05BC-DA44-AA23-81C54830A0F4}"/>
+                <a16:creationId xmlns:a16="http://schemas.microsoft.com/office/drawing/2014/main" id="{2D4038F2-9086-4849-856C-3F44B96DA1AE}"/>
               </a:ext>
             </a:extLst>
           </p:cNvPr>
@@ -2389,50 +2380,136 @@
             <a:spLocks noGrp="1"/>
           </p:cNvSpPr>
           <p:nvPr>
-            <p:ph type="ctrTitle"/>
-          </p:nvPr>
-        </p:nvSpPr>
-        <p:spPr>
-          <a:xfrm>
-            <a:off x="963169" y="2028083"/>
-            <a:ext cx="10265664" cy="1376851"/>
-          </a:xfrm>
-          <a:prstGeom prst="rect">
-            <a:avLst/>
-          </a:prstGeom>
-          <a:effectLst/>
-        </p:spPr>
-        <p:txBody>
-          <a:bodyPr anchor="ctr">
+            <p:ph type="dt" sz="half" idx="10"/>
+          </p:nvPr>
+        </p:nvSpPr>
+        <p:spPr>
+          <a:xfrm>
+            <a:off x="7523545" y="5597323"/>
+            <a:ext cx="2523280" cy="365125"/>
+          </a:xfrm>
+        </p:spPr>
+        <p:txBody>
+          <a:bodyPr/>
+          <a:lstStyle/>
+          <a:p>
+            <a:fld id="{E4551058-E5DB-324A-A8E9-6D3BEF243C3B}" type="datetimeFigureOut">
+              <a:rPr kumimoji="1" lang="zh-CN" altLang="en-US" smtClean="0"/>
+              <a:t>2022/6/9</a:t>
+            </a:fld>
+            <a:endParaRPr kumimoji="1" lang="zh-CN" altLang="en-US"/>
+          </a:p>
+        </p:txBody>
+      </p:sp>
+      <p:sp>
+        <p:nvSpPr>
+          <p:cNvPr id="28" name="页脚占位符 11">
+            <a:extLst>
+              <a:ext uri="{FF2B5EF4-FFF2-40B4-BE49-F238E27FC236}">
+                <a16:creationId xmlns:a16="http://schemas.microsoft.com/office/drawing/2014/main" id="{0ED79189-463D-A34A-93FE-02DAF3CA4425}"/>
+              </a:ext>
+            </a:extLst>
+          </p:cNvPr>
+          <p:cNvSpPr>
+            <a:spLocks noGrp="1"/>
+          </p:cNvSpPr>
+          <p:nvPr>
+            <p:ph type="ftr" sz="quarter" idx="11"/>
+          </p:nvPr>
+        </p:nvSpPr>
+        <p:spPr>
+          <a:xfrm>
+            <a:off x="833377" y="5592997"/>
+            <a:ext cx="6585500" cy="365125"/>
+          </a:xfrm>
+        </p:spPr>
+        <p:txBody>
+          <a:bodyPr/>
+          <a:lstStyle/>
+          <a:p>
+            <a:endParaRPr kumimoji="1" lang="zh-CN" altLang="en-US" dirty="0"/>
+          </a:p>
+        </p:txBody>
+      </p:sp>
+      <p:sp>
+        <p:nvSpPr>
+          <p:cNvPr id="29" name="灯片编号占位符 12">
+            <a:extLst>
+              <a:ext uri="{FF2B5EF4-FFF2-40B4-BE49-F238E27FC236}">
+                <a16:creationId xmlns:a16="http://schemas.microsoft.com/office/drawing/2014/main" id="{81D88334-B4F7-F340-8AA4-0865A0C0CF25}"/>
+              </a:ext>
+            </a:extLst>
+          </p:cNvPr>
+          <p:cNvSpPr>
+            <a:spLocks noGrp="1"/>
+          </p:cNvSpPr>
+          <p:nvPr>
+            <p:ph type="sldNum" sz="quarter" idx="12"/>
+          </p:nvPr>
+        </p:nvSpPr>
+        <p:spPr>
+          <a:xfrm>
+            <a:off x="10151493" y="5597323"/>
+            <a:ext cx="1203271" cy="365125"/>
+          </a:xfrm>
+        </p:spPr>
+        <p:txBody>
+          <a:bodyPr/>
+          <a:lstStyle/>
+          <a:p>
+            <a:fld id="{977BA8E6-E826-B147-AA17-E3D76A29629C}" type="slidenum">
+              <a:rPr kumimoji="1" lang="zh-CN" altLang="en-US" smtClean="0"/>
+              <a:t>‹#›</a:t>
+            </a:fld>
+            <a:endParaRPr kumimoji="1" lang="zh-CN" altLang="en-US"/>
+          </a:p>
+        </p:txBody>
+      </p:sp>
+      <p:sp>
+        <p:nvSpPr>
+          <p:cNvPr id="2" name="标题 1">
+            <a:extLst>
+              <a:ext uri="{FF2B5EF4-FFF2-40B4-BE49-F238E27FC236}">
+                <a16:creationId xmlns:a16="http://schemas.microsoft.com/office/drawing/2014/main" id="{002FBCA2-8AC8-4B46-8CCD-69EDADC02DD7}"/>
+              </a:ext>
+            </a:extLst>
+          </p:cNvPr>
+          <p:cNvSpPr>
+            <a:spLocks noGrp="1"/>
+          </p:cNvSpPr>
+          <p:nvPr>
+            <p:ph type="title"/>
+          </p:nvPr>
+        </p:nvSpPr>
+        <p:spPr>
+          <a:xfrm>
+            <a:off x="963167" y="2022534"/>
+            <a:ext cx="10267200" cy="1382400"/>
+          </a:xfrm>
+        </p:spPr>
+        <p:txBody>
+          <a:bodyPr>
             <a:normAutofit/>
           </a:bodyPr>
           <a:lstStyle>
-            <a:lvl1pPr algn="l">
-              <a:defRPr lang="en-US" altLang="en-US" sz="3600" b="0" kern="1200" cap="none" baseline="0" dirty="0">
-                <a:solidFill>
-                  <a:srgbClr val="5C307D"/>
-                </a:solidFill>
-                <a:latin typeface="+mj-lt"/>
-                <a:ea typeface="+mj-ea"/>
-                <a:cs typeface="+mj-cs"/>
-              </a:defRPr>
+            <a:lvl1pPr>
+              <a:defRPr sz="3600"/>
             </a:lvl1pPr>
           </a:lstStyle>
           <a:p>
             <a:r>
-              <a:rPr lang="zh-CN" altLang="en-US" dirty="0"/>
+              <a:rPr kumimoji="1" lang="zh-CN" altLang="en-US" dirty="0"/>
               <a:t>单击此处编辑母版标题样式</a:t>
             </a:r>
-            <a:endParaRPr lang="en-US" dirty="0"/>
-          </a:p>
-        </p:txBody>
-      </p:sp>
-      <p:sp>
-        <p:nvSpPr>
-          <p:cNvPr id="25" name="Subtitle 2">
+          </a:p>
+        </p:txBody>
+      </p:sp>
+      <p:sp>
+        <p:nvSpPr>
+          <p:cNvPr id="14" name="Subtitle 2">
             <a:extLst>
               <a:ext uri="{FF2B5EF4-FFF2-40B4-BE49-F238E27FC236}">
-                <a16:creationId xmlns:a16="http://schemas.microsoft.com/office/drawing/2014/main" id="{8DDB4CB7-B75A-CF44-8C12-E3DE32CE3152}"/>
+                <a16:creationId xmlns:a16="http://schemas.microsoft.com/office/drawing/2014/main" id="{CC752BD4-8A44-D64D-B845-986E21B7DCC5}"/>
               </a:ext>
             </a:extLst>
           </p:cNvPr>
@@ -2445,7 +2522,7 @@
         </p:nvSpPr>
         <p:spPr>
           <a:xfrm>
-            <a:off x="963169" y="3830629"/>
+            <a:off x="963167" y="3819054"/>
             <a:ext cx="10265664" cy="1340999"/>
           </a:xfrm>
         </p:spPr>
@@ -2552,104 +2629,6 @@
           </a:p>
         </p:txBody>
       </p:sp>
-      <p:sp>
-        <p:nvSpPr>
-          <p:cNvPr id="27" name="日期占位符 10">
-            <a:extLst>
-              <a:ext uri="{FF2B5EF4-FFF2-40B4-BE49-F238E27FC236}">
-                <a16:creationId xmlns:a16="http://schemas.microsoft.com/office/drawing/2014/main" id="{2D4038F2-9086-4849-856C-3F44B96DA1AE}"/>
-              </a:ext>
-            </a:extLst>
-          </p:cNvPr>
-          <p:cNvSpPr>
-            <a:spLocks noGrp="1"/>
-          </p:cNvSpPr>
-          <p:nvPr>
-            <p:ph type="dt" sz="half" idx="10"/>
-          </p:nvPr>
-        </p:nvSpPr>
-        <p:spPr>
-          <a:xfrm>
-            <a:off x="7523545" y="5597323"/>
-            <a:ext cx="2523280" cy="365125"/>
-          </a:xfrm>
-        </p:spPr>
-        <p:txBody>
-          <a:bodyPr/>
-          <a:lstStyle/>
-          <a:p>
-            <a:fld id="{E4551058-E5DB-324A-A8E9-6D3BEF243C3B}" type="datetimeFigureOut">
-              <a:rPr kumimoji="1" lang="zh-CN" altLang="en-US" smtClean="0"/>
-              <a:t>2021/11/10</a:t>
-            </a:fld>
-            <a:endParaRPr kumimoji="1" lang="zh-CN" altLang="en-US"/>
-          </a:p>
-        </p:txBody>
-      </p:sp>
-      <p:sp>
-        <p:nvSpPr>
-          <p:cNvPr id="28" name="页脚占位符 11">
-            <a:extLst>
-              <a:ext uri="{FF2B5EF4-FFF2-40B4-BE49-F238E27FC236}">
-                <a16:creationId xmlns:a16="http://schemas.microsoft.com/office/drawing/2014/main" id="{0ED79189-463D-A34A-93FE-02DAF3CA4425}"/>
-              </a:ext>
-            </a:extLst>
-          </p:cNvPr>
-          <p:cNvSpPr>
-            <a:spLocks noGrp="1"/>
-          </p:cNvSpPr>
-          <p:nvPr>
-            <p:ph type="ftr" sz="quarter" idx="11"/>
-          </p:nvPr>
-        </p:nvSpPr>
-        <p:spPr>
-          <a:xfrm>
-            <a:off x="833377" y="5592997"/>
-            <a:ext cx="6585500" cy="365125"/>
-          </a:xfrm>
-        </p:spPr>
-        <p:txBody>
-          <a:bodyPr/>
-          <a:lstStyle/>
-          <a:p>
-            <a:endParaRPr kumimoji="1" lang="zh-CN" altLang="en-US" dirty="0"/>
-          </a:p>
-        </p:txBody>
-      </p:sp>
-      <p:sp>
-        <p:nvSpPr>
-          <p:cNvPr id="29" name="灯片编号占位符 12">
-            <a:extLst>
-              <a:ext uri="{FF2B5EF4-FFF2-40B4-BE49-F238E27FC236}">
-                <a16:creationId xmlns:a16="http://schemas.microsoft.com/office/drawing/2014/main" id="{81D88334-B4F7-F340-8AA4-0865A0C0CF25}"/>
-              </a:ext>
-            </a:extLst>
-          </p:cNvPr>
-          <p:cNvSpPr>
-            <a:spLocks noGrp="1"/>
-          </p:cNvSpPr>
-          <p:nvPr>
-            <p:ph type="sldNum" sz="quarter" idx="12"/>
-          </p:nvPr>
-        </p:nvSpPr>
-        <p:spPr>
-          <a:xfrm>
-            <a:off x="10151493" y="5597323"/>
-            <a:ext cx="1203271" cy="365125"/>
-          </a:xfrm>
-        </p:spPr>
-        <p:txBody>
-          <a:bodyPr/>
-          <a:lstStyle/>
-          <a:p>
-            <a:fld id="{977BA8E6-E826-B147-AA17-E3D76A29629C}" type="slidenum">
-              <a:rPr kumimoji="1" lang="zh-CN" altLang="en-US" smtClean="0"/>
-              <a:t>‹#›</a:t>
-            </a:fld>
-            <a:endParaRPr kumimoji="1" lang="zh-CN" altLang="en-US"/>
-          </a:p>
-        </p:txBody>
-      </p:sp>
     </p:spTree>
     <p:extLst>
       <p:ext uri="{BB962C8B-B14F-4D97-AF65-F5344CB8AC3E}">
@@ -2815,7 +2794,7 @@
           <a:p>
             <a:fld id="{E4551058-E5DB-324A-A8E9-6D3BEF243C3B}" type="datetimeFigureOut">
               <a:rPr kumimoji="1" lang="zh-CN" altLang="en-US" smtClean="0"/>
-              <a:t>2021/11/10</a:t>
+              <a:t>2022/6/9</a:t>
             </a:fld>
             <a:endParaRPr kumimoji="1" lang="zh-CN" altLang="en-US"/>
           </a:p>
@@ -2946,7 +2925,7 @@
               <a:buNone/>
               <a:defRPr sz="2200" b="0">
                 <a:solidFill>
-                  <a:schemeClr val="accent2"/>
+                  <a:srgbClr val="660874"/>
                 </a:solidFill>
               </a:defRPr>
             </a:lvl1pPr>
@@ -3076,7 +3055,7 @@
               <a:buNone/>
               <a:defRPr sz="2200" b="0">
                 <a:solidFill>
-                  <a:schemeClr val="accent2"/>
+                  <a:srgbClr val="660874"/>
                 </a:solidFill>
               </a:defRPr>
             </a:lvl1pPr>
@@ -3198,7 +3177,7 @@
           <a:p>
             <a:fld id="{E4551058-E5DB-324A-A8E9-6D3BEF243C3B}" type="datetimeFigureOut">
               <a:rPr kumimoji="1" lang="zh-CN" altLang="en-US" smtClean="0"/>
-              <a:t>2021/11/10</a:t>
+              <a:t>2022/6/9</a:t>
             </a:fld>
             <a:endParaRPr kumimoji="1" lang="zh-CN" altLang="en-US"/>
           </a:p>
@@ -3321,7 +3300,7 @@
           <a:p>
             <a:fld id="{E4551058-E5DB-324A-A8E9-6D3BEF243C3B}" type="datetimeFigureOut">
               <a:rPr kumimoji="1" lang="zh-CN" altLang="en-US" smtClean="0"/>
-              <a:t>2021/11/10</a:t>
+              <a:t>2022/6/9</a:t>
             </a:fld>
             <a:endParaRPr kumimoji="1" lang="zh-CN" altLang="en-US"/>
           </a:p>
@@ -3444,7 +3423,7 @@
           <a:p>
             <a:fld id="{E4551058-E5DB-324A-A8E9-6D3BEF243C3B}" type="datetimeFigureOut">
               <a:rPr kumimoji="1" lang="zh-CN" altLang="en-US" smtClean="0"/>
-              <a:t>2021/11/10</a:t>
+              <a:t>2022/6/9</a:t>
             </a:fld>
             <a:endParaRPr kumimoji="1" lang="zh-CN" altLang="en-US"/>
           </a:p>
@@ -3545,7 +3524,7 @@
             <a:avLst/>
           </a:prstGeom>
           <a:solidFill>
-            <a:schemeClr val="accent1"/>
+            <a:srgbClr val="660874"/>
           </a:solidFill>
           <a:ln>
             <a:noFill/>
@@ -3594,7 +3573,7 @@
             <a:lvl1pPr algn="l">
               <a:defRPr sz="2400" b="0">
                 <a:solidFill>
-                  <a:srgbClr val="5C307D"/>
+                  <a:srgbClr val="660874"/>
                 </a:solidFill>
               </a:defRPr>
             </a:lvl1pPr>
@@ -3756,7 +3735,7 @@
               <a:buNone/>
               <a:defRPr sz="1600">
                 <a:solidFill>
-                  <a:srgbClr val="5C307D"/>
+                  <a:srgbClr val="660874"/>
                 </a:solidFill>
               </a:defRPr>
             </a:lvl1pPr>
@@ -3804,7 +3783,13 @@
       </p:sp>
       <p:sp>
         <p:nvSpPr>
-          <p:cNvPr id="5" name="Date Placeholder 4"/>
+          <p:cNvPr id="8" name="日期占位符 7">
+            <a:extLst>
+              <a:ext uri="{FF2B5EF4-FFF2-40B4-BE49-F238E27FC236}">
+                <a16:creationId xmlns:a16="http://schemas.microsoft.com/office/drawing/2014/main" id="{451282BD-10C7-4442-892B-E8FEFE30AD5A}"/>
+              </a:ext>
+            </a:extLst>
+          </p:cNvPr>
           <p:cNvSpPr>
             <a:spLocks noGrp="1"/>
           </p:cNvSpPr>
@@ -3814,28 +3799,17 @@
         </p:nvSpPr>
         <p:spPr>
           <a:xfrm>
-            <a:off x="7523545" y="6060170"/>
+            <a:off x="7523545" y="6088813"/>
             <a:ext cx="2523280" cy="365125"/>
           </a:xfrm>
         </p:spPr>
         <p:txBody>
           <a:bodyPr/>
-          <a:lstStyle>
-            <a:lvl1pPr>
-              <a:defRPr>
-                <a:solidFill>
-                  <a:schemeClr val="accent1">
-                    <a:lumMod val="75000"/>
-                    <a:lumOff val="25000"/>
-                  </a:schemeClr>
-                </a:solidFill>
-              </a:defRPr>
-            </a:lvl1pPr>
-          </a:lstStyle>
+          <a:lstStyle/>
           <a:p>
             <a:fld id="{E4551058-E5DB-324A-A8E9-6D3BEF243C3B}" type="datetimeFigureOut">
               <a:rPr kumimoji="1" lang="zh-CN" altLang="en-US" smtClean="0"/>
-              <a:t>2021/11/10</a:t>
+              <a:t>2022/6/9</a:t>
             </a:fld>
             <a:endParaRPr kumimoji="1" lang="zh-CN" altLang="en-US"/>
           </a:p>
@@ -3843,7 +3817,13 @@
       </p:sp>
       <p:sp>
         <p:nvSpPr>
-          <p:cNvPr id="6" name="Footer Placeholder 5"/>
+          <p:cNvPr id="9" name="页脚占位符 8">
+            <a:extLst>
+              <a:ext uri="{FF2B5EF4-FFF2-40B4-BE49-F238E27FC236}">
+                <a16:creationId xmlns:a16="http://schemas.microsoft.com/office/drawing/2014/main" id="{AB4D4DE8-6CE5-7146-97D4-07B9C9043977}"/>
+              </a:ext>
+            </a:extLst>
+          </p:cNvPr>
           <p:cNvSpPr>
             <a:spLocks noGrp="1"/>
           </p:cNvSpPr>
@@ -3853,32 +3833,27 @@
         </p:nvSpPr>
         <p:spPr>
           <a:xfrm>
-            <a:off x="833377" y="6055844"/>
+            <a:off x="833377" y="6084487"/>
             <a:ext cx="6585500" cy="365125"/>
           </a:xfrm>
         </p:spPr>
         <p:txBody>
           <a:bodyPr/>
-          <a:lstStyle>
-            <a:lvl1pPr>
-              <a:defRPr>
-                <a:solidFill>
-                  <a:schemeClr val="accent1">
-                    <a:lumMod val="75000"/>
-                    <a:lumOff val="25000"/>
-                  </a:schemeClr>
-                </a:solidFill>
-              </a:defRPr>
-            </a:lvl1pPr>
-          </a:lstStyle>
-          <a:p>
-            <a:endParaRPr kumimoji="1" lang="zh-CN" altLang="en-US"/>
-          </a:p>
-        </p:txBody>
-      </p:sp>
-      <p:sp>
-        <p:nvSpPr>
-          <p:cNvPr id="7" name="Slide Number Placeholder 6"/>
+          <a:lstStyle/>
+          <a:p>
+            <a:endParaRPr kumimoji="1" lang="zh-CN" altLang="en-US" dirty="0"/>
+          </a:p>
+        </p:txBody>
+      </p:sp>
+      <p:sp>
+        <p:nvSpPr>
+          <p:cNvPr id="11" name="灯片编号占位符 10">
+            <a:extLst>
+              <a:ext uri="{FF2B5EF4-FFF2-40B4-BE49-F238E27FC236}">
+                <a16:creationId xmlns:a16="http://schemas.microsoft.com/office/drawing/2014/main" id="{EB1C0495-D0F2-7747-B5EB-46C127796E69}"/>
+              </a:ext>
+            </a:extLst>
+          </p:cNvPr>
           <p:cNvSpPr>
             <a:spLocks noGrp="1"/>
           </p:cNvSpPr>
@@ -3888,24 +3863,13 @@
         </p:nvSpPr>
         <p:spPr>
           <a:xfrm>
-            <a:off x="10151493" y="6060170"/>
+            <a:off x="10151493" y="6088813"/>
             <a:ext cx="1203271" cy="365125"/>
           </a:xfrm>
         </p:spPr>
         <p:txBody>
           <a:bodyPr/>
-          <a:lstStyle>
-            <a:lvl1pPr>
-              <a:defRPr>
-                <a:solidFill>
-                  <a:schemeClr val="accent1">
-                    <a:lumMod val="75000"/>
-                    <a:lumOff val="25000"/>
-                  </a:schemeClr>
-                </a:solidFill>
-              </a:defRPr>
-            </a:lvl1pPr>
-          </a:lstStyle>
+          <a:lstStyle/>
           <a:p>
             <a:fld id="{977BA8E6-E826-B147-AA17-E3D76A29629C}" type="slidenum">
               <a:rPr kumimoji="1" lang="zh-CN" altLang="en-US" smtClean="0"/>
@@ -3952,223 +3916,10 @@
       </p:grpSpPr>
       <p:sp>
         <p:nvSpPr>
-          <p:cNvPr id="7" name="标题占位符 6">
+          <p:cNvPr id="9" name="矩形 8">
             <a:extLst>
               <a:ext uri="{FF2B5EF4-FFF2-40B4-BE49-F238E27FC236}">
-                <a16:creationId xmlns:a16="http://schemas.microsoft.com/office/drawing/2014/main" id="{386CB2C2-B0CA-6B4C-9D67-BC3A516A2E6A}"/>
-              </a:ext>
-            </a:extLst>
-          </p:cNvPr>
-          <p:cNvSpPr>
-            <a:spLocks noGrp="1"/>
-          </p:cNvSpPr>
-          <p:nvPr>
-            <p:ph type="title"/>
-          </p:nvPr>
-        </p:nvSpPr>
-        <p:spPr>
-          <a:xfrm>
-            <a:off x="835306" y="593424"/>
-            <a:ext cx="10521388" cy="1015200"/>
-          </a:xfrm>
-          <a:prstGeom prst="rect">
-            <a:avLst/>
-          </a:prstGeom>
-        </p:spPr>
-        <p:txBody>
-          <a:bodyPr vert="horz" lIns="91440" tIns="45720" rIns="91440" bIns="45720" rtlCol="0" anchor="ctr">
-            <a:normAutofit/>
-          </a:bodyPr>
-          <a:lstStyle/>
-          <a:p>
-            <a:r>
-              <a:rPr kumimoji="1" lang="zh-CN" altLang="en-US" dirty="0"/>
-              <a:t>单击此处编辑母版标题样式</a:t>
-            </a:r>
-          </a:p>
-        </p:txBody>
-      </p:sp>
-      <p:sp>
-        <p:nvSpPr>
-          <p:cNvPr id="3" name="Text Placeholder 2"/>
-          <p:cNvSpPr>
-            <a:spLocks noGrp="1"/>
-          </p:cNvSpPr>
-          <p:nvPr>
-            <p:ph type="body" idx="1"/>
-          </p:nvPr>
-        </p:nvSpPr>
-        <p:spPr>
-          <a:xfrm>
-            <a:off x="833376" y="2336003"/>
-            <a:ext cx="10521388" cy="3154894"/>
-          </a:xfrm>
-          <a:prstGeom prst="rect">
-            <a:avLst/>
-          </a:prstGeom>
-        </p:spPr>
-        <p:txBody>
-          <a:bodyPr vert="horz" lIns="91440" tIns="45720" rIns="91440" bIns="45720" rtlCol="0" anchor="t">
-            <a:normAutofit/>
-          </a:bodyPr>
-          <a:lstStyle/>
-          <a:p>
-            <a:pPr lvl="0"/>
-            <a:r>
-              <a:rPr lang="zh-CN" altLang="en-US" dirty="0"/>
-              <a:t>单击此处编辑母版文本样式</a:t>
-            </a:r>
-          </a:p>
-          <a:p>
-            <a:pPr lvl="1"/>
-            <a:r>
-              <a:rPr lang="zh-CN" altLang="en-US" dirty="0"/>
-              <a:t>二级</a:t>
-            </a:r>
-          </a:p>
-          <a:p>
-            <a:pPr lvl="2"/>
-            <a:r>
-              <a:rPr lang="zh-CN" altLang="en-US" dirty="0"/>
-              <a:t>三级</a:t>
-            </a:r>
-          </a:p>
-          <a:p>
-            <a:pPr lvl="3"/>
-            <a:r>
-              <a:rPr lang="zh-CN" altLang="en-US" dirty="0"/>
-              <a:t>四级</a:t>
-            </a:r>
-          </a:p>
-          <a:p>
-            <a:pPr lvl="4"/>
-            <a:r>
-              <a:rPr lang="zh-CN" altLang="en-US" dirty="0"/>
-              <a:t>五级</a:t>
-            </a:r>
-            <a:endParaRPr lang="en-US" dirty="0"/>
-          </a:p>
-        </p:txBody>
-      </p:sp>
-      <p:sp>
-        <p:nvSpPr>
-          <p:cNvPr id="4" name="Date Placeholder 3"/>
-          <p:cNvSpPr>
-            <a:spLocks noGrp="1"/>
-          </p:cNvSpPr>
-          <p:nvPr>
-            <p:ph type="dt" sz="half" idx="2"/>
-          </p:nvPr>
-        </p:nvSpPr>
-        <p:spPr>
-          <a:xfrm>
-            <a:off x="7523545" y="5597323"/>
-            <a:ext cx="2523280" cy="365125"/>
-          </a:xfrm>
-          <a:prstGeom prst="rect">
-            <a:avLst/>
-          </a:prstGeom>
-        </p:spPr>
-        <p:txBody>
-          <a:bodyPr vert="horz" lIns="91440" tIns="45720" rIns="91440" bIns="45720" rtlCol="0" anchor="ctr"/>
-          <a:lstStyle>
-            <a:lvl1pPr algn="r">
-              <a:defRPr sz="900">
-                <a:solidFill>
-                  <a:schemeClr val="accent2"/>
-                </a:solidFill>
-              </a:defRPr>
-            </a:lvl1pPr>
-          </a:lstStyle>
-          <a:p>
-            <a:fld id="{E4551058-E5DB-324A-A8E9-6D3BEF243C3B}" type="datetimeFigureOut">
-              <a:rPr kumimoji="1" lang="zh-CN" altLang="en-US" smtClean="0"/>
-              <a:t>2021/11/10</a:t>
-            </a:fld>
-            <a:endParaRPr kumimoji="1" lang="zh-CN" altLang="en-US"/>
-          </a:p>
-        </p:txBody>
-      </p:sp>
-      <p:sp>
-        <p:nvSpPr>
-          <p:cNvPr id="5" name="Footer Placeholder 4"/>
-          <p:cNvSpPr>
-            <a:spLocks noGrp="1"/>
-          </p:cNvSpPr>
-          <p:nvPr>
-            <p:ph type="ftr" sz="quarter" idx="3"/>
-          </p:nvPr>
-        </p:nvSpPr>
-        <p:spPr>
-          <a:xfrm>
-            <a:off x="833377" y="5592997"/>
-            <a:ext cx="6585500" cy="365125"/>
-          </a:xfrm>
-          <a:prstGeom prst="rect">
-            <a:avLst/>
-          </a:prstGeom>
-        </p:spPr>
-        <p:txBody>
-          <a:bodyPr vert="horz" lIns="91440" tIns="45720" rIns="91440" bIns="45720" rtlCol="0" anchor="ctr"/>
-          <a:lstStyle>
-            <a:lvl1pPr algn="l">
-              <a:defRPr sz="900" cap="all">
-                <a:solidFill>
-                  <a:schemeClr val="accent2"/>
-                </a:solidFill>
-              </a:defRPr>
-            </a:lvl1pPr>
-          </a:lstStyle>
-          <a:p>
-            <a:endParaRPr kumimoji="1" lang="zh-CN" altLang="en-US" dirty="0"/>
-          </a:p>
-        </p:txBody>
-      </p:sp>
-      <p:sp>
-        <p:nvSpPr>
-          <p:cNvPr id="6" name="Slide Number Placeholder 5"/>
-          <p:cNvSpPr>
-            <a:spLocks noGrp="1"/>
-          </p:cNvSpPr>
-          <p:nvPr>
-            <p:ph type="sldNum" sz="quarter" idx="4"/>
-          </p:nvPr>
-        </p:nvSpPr>
-        <p:spPr>
-          <a:xfrm>
-            <a:off x="10151493" y="5597323"/>
-            <a:ext cx="1203271" cy="365125"/>
-          </a:xfrm>
-          <a:prstGeom prst="rect">
-            <a:avLst/>
-          </a:prstGeom>
-        </p:spPr>
-        <p:txBody>
-          <a:bodyPr vert="horz" lIns="91440" tIns="45720" rIns="91440" bIns="45720" rtlCol="0" anchor="ctr"/>
-          <a:lstStyle>
-            <a:lvl1pPr algn="r">
-              <a:defRPr sz="900">
-                <a:solidFill>
-                  <a:schemeClr val="accent2"/>
-                </a:solidFill>
-              </a:defRPr>
-            </a:lvl1pPr>
-          </a:lstStyle>
-          <a:p>
-            <a:fld id="{977BA8E6-E826-B147-AA17-E3D76A29629C}" type="slidenum">
-              <a:rPr kumimoji="1" lang="zh-CN" altLang="en-US" smtClean="0"/>
-              <a:t>‹#›</a:t>
-            </a:fld>
-            <a:endParaRPr kumimoji="1" lang="zh-CN" altLang="en-US"/>
-          </a:p>
-        </p:txBody>
-      </p:sp>
-      <p:sp>
-        <p:nvSpPr>
-          <p:cNvPr id="2" name="圆角矩形 1">
-            <a:extLst>
-              <a:ext uri="{FF2B5EF4-FFF2-40B4-BE49-F238E27FC236}">
-                <a16:creationId xmlns:a16="http://schemas.microsoft.com/office/drawing/2014/main" id="{281EDAD2-3671-BF43-AEFB-C5625113F562}"/>
+                <a16:creationId xmlns:a16="http://schemas.microsoft.com/office/drawing/2014/main" id="{8A3BF425-86B0-F846-8CE5-D4D4E55EFE0D}"/>
               </a:ext>
             </a:extLst>
           </p:cNvPr>
@@ -4177,21 +3928,15 @@
         </p:nvSpPr>
         <p:spPr>
           <a:xfrm>
-            <a:off x="586670" y="651024"/>
-            <a:ext cx="80595" cy="900000"/>
-          </a:xfrm>
-          <a:prstGeom prst="roundRect">
-            <a:avLst>
-              <a:gd name="adj" fmla="val 0"/>
-            </a:avLst>
+            <a:off x="586670" y="654624"/>
+            <a:ext cx="82800" cy="896400"/>
+          </a:xfrm>
+          <a:prstGeom prst="rect">
+            <a:avLst/>
           </a:prstGeom>
-          <a:solidFill>
-            <a:srgbClr val="5C307D"/>
-          </a:solidFill>
           <a:ln>
             <a:noFill/>
           </a:ln>
-          <a:effectLst/>
         </p:spPr>
         <p:style>
           <a:lnRef idx="2">
@@ -4214,6 +3959,219 @@
           <a:lstStyle/>
           <a:p>
             <a:pPr algn="ctr"/>
+            <a:endParaRPr kumimoji="1" lang="zh-CN" altLang="en-US"/>
+          </a:p>
+        </p:txBody>
+      </p:sp>
+      <p:sp>
+        <p:nvSpPr>
+          <p:cNvPr id="7" name="标题占位符 6">
+            <a:extLst>
+              <a:ext uri="{FF2B5EF4-FFF2-40B4-BE49-F238E27FC236}">
+                <a16:creationId xmlns:a16="http://schemas.microsoft.com/office/drawing/2014/main" id="{386CB2C2-B0CA-6B4C-9D67-BC3A516A2E6A}"/>
+              </a:ext>
+            </a:extLst>
+          </p:cNvPr>
+          <p:cNvSpPr>
+            <a:spLocks noGrp="1"/>
+          </p:cNvSpPr>
+          <p:nvPr>
+            <p:ph type="title"/>
+          </p:nvPr>
+        </p:nvSpPr>
+        <p:spPr>
+          <a:xfrm>
+            <a:off x="835306" y="593424"/>
+            <a:ext cx="10521388" cy="1015200"/>
+          </a:xfrm>
+          <a:prstGeom prst="rect">
+            <a:avLst/>
+          </a:prstGeom>
+        </p:spPr>
+        <p:txBody>
+          <a:bodyPr vert="horz" lIns="91440" tIns="45720" rIns="91440" bIns="45720" rtlCol="0" anchor="ctr">
+            <a:normAutofit/>
+          </a:bodyPr>
+          <a:lstStyle/>
+          <a:p>
+            <a:r>
+              <a:rPr kumimoji="1" lang="zh-CN" altLang="en-US" dirty="0"/>
+              <a:t>单击此处编辑母版标题样式</a:t>
+            </a:r>
+          </a:p>
+        </p:txBody>
+      </p:sp>
+      <p:sp>
+        <p:nvSpPr>
+          <p:cNvPr id="3" name="Text Placeholder 2"/>
+          <p:cNvSpPr>
+            <a:spLocks noGrp="1"/>
+          </p:cNvSpPr>
+          <p:nvPr>
+            <p:ph type="body" idx="1"/>
+          </p:nvPr>
+        </p:nvSpPr>
+        <p:spPr>
+          <a:xfrm>
+            <a:off x="833376" y="2336003"/>
+            <a:ext cx="10521388" cy="3154894"/>
+          </a:xfrm>
+          <a:prstGeom prst="rect">
+            <a:avLst/>
+          </a:prstGeom>
+        </p:spPr>
+        <p:txBody>
+          <a:bodyPr vert="horz" lIns="91440" tIns="45720" rIns="91440" bIns="45720" rtlCol="0" anchor="t">
+            <a:normAutofit/>
+          </a:bodyPr>
+          <a:lstStyle/>
+          <a:p>
+            <a:pPr lvl="0"/>
+            <a:r>
+              <a:rPr lang="zh-CN" altLang="en-US" dirty="0"/>
+              <a:t>单击此处编辑母版文本样式</a:t>
+            </a:r>
+          </a:p>
+          <a:p>
+            <a:pPr lvl="1"/>
+            <a:r>
+              <a:rPr lang="zh-CN" altLang="en-US" dirty="0"/>
+              <a:t>二级</a:t>
+            </a:r>
+          </a:p>
+          <a:p>
+            <a:pPr lvl="2"/>
+            <a:r>
+              <a:rPr lang="zh-CN" altLang="en-US" dirty="0"/>
+              <a:t>三级</a:t>
+            </a:r>
+          </a:p>
+          <a:p>
+            <a:pPr lvl="3"/>
+            <a:r>
+              <a:rPr lang="zh-CN" altLang="en-US" dirty="0"/>
+              <a:t>四级</a:t>
+            </a:r>
+          </a:p>
+          <a:p>
+            <a:pPr lvl="4"/>
+            <a:r>
+              <a:rPr lang="zh-CN" altLang="en-US" dirty="0"/>
+              <a:t>五级</a:t>
+            </a:r>
+            <a:endParaRPr lang="en-US" dirty="0"/>
+          </a:p>
+        </p:txBody>
+      </p:sp>
+      <p:sp>
+        <p:nvSpPr>
+          <p:cNvPr id="4" name="Date Placeholder 3"/>
+          <p:cNvSpPr>
+            <a:spLocks noGrp="1"/>
+          </p:cNvSpPr>
+          <p:nvPr>
+            <p:ph type="dt" sz="half" idx="2"/>
+          </p:nvPr>
+        </p:nvSpPr>
+        <p:spPr>
+          <a:xfrm>
+            <a:off x="7523545" y="5597323"/>
+            <a:ext cx="2523280" cy="365125"/>
+          </a:xfrm>
+          <a:prstGeom prst="rect">
+            <a:avLst/>
+          </a:prstGeom>
+        </p:spPr>
+        <p:txBody>
+          <a:bodyPr vert="horz" lIns="91440" tIns="45720" rIns="91440" bIns="45720" rtlCol="0" anchor="ctr"/>
+          <a:lstStyle>
+            <a:lvl1pPr algn="r">
+              <a:defRPr sz="900">
+                <a:solidFill>
+                  <a:schemeClr val="accent2"/>
+                </a:solidFill>
+              </a:defRPr>
+            </a:lvl1pPr>
+          </a:lstStyle>
+          <a:p>
+            <a:fld id="{E4551058-E5DB-324A-A8E9-6D3BEF243C3B}" type="datetimeFigureOut">
+              <a:rPr kumimoji="1" lang="zh-CN" altLang="en-US" smtClean="0"/>
+              <a:t>2022/6/9</a:t>
+            </a:fld>
+            <a:endParaRPr kumimoji="1" lang="zh-CN" altLang="en-US"/>
+          </a:p>
+        </p:txBody>
+      </p:sp>
+      <p:sp>
+        <p:nvSpPr>
+          <p:cNvPr id="5" name="Footer Placeholder 4"/>
+          <p:cNvSpPr>
+            <a:spLocks noGrp="1"/>
+          </p:cNvSpPr>
+          <p:nvPr>
+            <p:ph type="ftr" sz="quarter" idx="3"/>
+          </p:nvPr>
+        </p:nvSpPr>
+        <p:spPr>
+          <a:xfrm>
+            <a:off x="833377" y="5592997"/>
+            <a:ext cx="6585500" cy="365125"/>
+          </a:xfrm>
+          <a:prstGeom prst="rect">
+            <a:avLst/>
+          </a:prstGeom>
+        </p:spPr>
+        <p:txBody>
+          <a:bodyPr vert="horz" lIns="91440" tIns="45720" rIns="91440" bIns="45720" rtlCol="0" anchor="ctr"/>
+          <a:lstStyle>
+            <a:lvl1pPr algn="l">
+              <a:defRPr sz="900" cap="all">
+                <a:solidFill>
+                  <a:schemeClr val="accent2"/>
+                </a:solidFill>
+              </a:defRPr>
+            </a:lvl1pPr>
+          </a:lstStyle>
+          <a:p>
+            <a:endParaRPr kumimoji="1" lang="zh-CN" altLang="en-US" dirty="0"/>
+          </a:p>
+        </p:txBody>
+      </p:sp>
+      <p:sp>
+        <p:nvSpPr>
+          <p:cNvPr id="6" name="Slide Number Placeholder 5"/>
+          <p:cNvSpPr>
+            <a:spLocks noGrp="1"/>
+          </p:cNvSpPr>
+          <p:nvPr>
+            <p:ph type="sldNum" sz="quarter" idx="4"/>
+          </p:nvPr>
+        </p:nvSpPr>
+        <p:spPr>
+          <a:xfrm>
+            <a:off x="10151493" y="5597323"/>
+            <a:ext cx="1203271" cy="365125"/>
+          </a:xfrm>
+          <a:prstGeom prst="rect">
+            <a:avLst/>
+          </a:prstGeom>
+        </p:spPr>
+        <p:txBody>
+          <a:bodyPr vert="horz" lIns="91440" tIns="45720" rIns="91440" bIns="45720" rtlCol="0" anchor="ctr"/>
+          <a:lstStyle>
+            <a:lvl1pPr algn="r">
+              <a:defRPr sz="900">
+                <a:solidFill>
+                  <a:schemeClr val="accent2"/>
+                </a:solidFill>
+              </a:defRPr>
+            </a:lvl1pPr>
+          </a:lstStyle>
+          <a:p>
+            <a:fld id="{977BA8E6-E826-B147-AA17-E3D76A29629C}" type="slidenum">
+              <a:rPr kumimoji="1" lang="zh-CN" altLang="en-US" smtClean="0"/>
+              <a:t>‹#›</a:t>
+            </a:fld>
             <a:endParaRPr kumimoji="1" lang="zh-CN" altLang="en-US"/>
           </a:p>
         </p:txBody>
@@ -4249,7 +4207,7 @@
         <a:buNone/>
         <a:defRPr sz="2800" b="0" kern="1200" cap="none" baseline="0">
           <a:solidFill>
-            <a:srgbClr val="5C307D"/>
+            <a:srgbClr val="660874"/>
           </a:solidFill>
           <a:latin typeface="+mj-lt"/>
           <a:ea typeface="+mj-ea"/>
@@ -4631,6 +4589,75 @@
       </p:grpSpPr>
       <p:sp>
         <p:nvSpPr>
+          <p:cNvPr id="3" name="副标题 2">
+            <a:extLst>
+              <a:ext uri="{FF2B5EF4-FFF2-40B4-BE49-F238E27FC236}">
+                <a16:creationId xmlns:a16="http://schemas.microsoft.com/office/drawing/2014/main" id="{9456EDC8-6865-C043-9F52-A5101097FB22}"/>
+              </a:ext>
+            </a:extLst>
+          </p:cNvPr>
+          <p:cNvSpPr>
+            <a:spLocks noGrp="1"/>
+          </p:cNvSpPr>
+          <p:nvPr>
+            <p:ph type="subTitle" idx="1"/>
+          </p:nvPr>
+        </p:nvSpPr>
+        <p:spPr>
+          <a:xfrm>
+            <a:off x="1221831" y="3819054"/>
+            <a:ext cx="9748337" cy="1340999"/>
+          </a:xfrm>
+        </p:spPr>
+        <p:txBody>
+          <a:bodyPr>
+            <a:normAutofit/>
+          </a:bodyPr>
+          <a:lstStyle/>
+          <a:p>
+            <a:r>
+              <a:rPr lang="zh-CN" altLang="en-US" dirty="0"/>
+              <a:t>陈伟浩</a:t>
+            </a:r>
+            <a:endParaRPr lang="en-US" altLang="zh-CN" dirty="0"/>
+          </a:p>
+          <a:p>
+            <a:r>
+              <a:rPr lang="zh-CN" altLang="en-US" dirty="0"/>
+              <a:t>计算机系</a:t>
+            </a:r>
+            <a:endParaRPr lang="en-US" altLang="zh-CN" dirty="0"/>
+          </a:p>
+          <a:p>
+            <a:r>
+              <a:rPr lang="en-US" altLang="zh-CN" dirty="0"/>
+              <a:t>2021</a:t>
+            </a:r>
+            <a:r>
+              <a:rPr lang="zh-CN" altLang="en-US" dirty="0"/>
+              <a:t>年</a:t>
+            </a:r>
+            <a:r>
+              <a:rPr lang="en-US" altLang="zh-CN" dirty="0"/>
+              <a:t>11</a:t>
+            </a:r>
+            <a:r>
+              <a:rPr lang="zh-CN" altLang="en-US" dirty="0"/>
+              <a:t>月</a:t>
+            </a:r>
+            <a:r>
+              <a:rPr lang="en-US" altLang="zh-CN" dirty="0"/>
+              <a:t>3</a:t>
+            </a:r>
+            <a:r>
+              <a:rPr lang="zh-CN" altLang="en-US" dirty="0"/>
+              <a:t>日</a:t>
+            </a:r>
+          </a:p>
+        </p:txBody>
+      </p:sp>
+      <p:sp>
+        <p:nvSpPr>
           <p:cNvPr id="2" name="标题 1">
             <a:extLst>
               <a:ext uri="{FF2B5EF4-FFF2-40B4-BE49-F238E27FC236}">
@@ -4642,110 +4669,51 @@
             <a:spLocks noGrp="1"/>
           </p:cNvSpPr>
           <p:nvPr>
-            <p:ph type="ctrTitle"/>
-          </p:nvPr>
-        </p:nvSpPr>
-        <p:spPr/>
+            <p:ph type="title"/>
+          </p:nvPr>
+        </p:nvSpPr>
+        <p:spPr>
+          <a:xfrm>
+            <a:off x="1221831" y="2028083"/>
+            <a:ext cx="9748800" cy="1317600"/>
+          </a:xfrm>
+        </p:spPr>
         <p:txBody>
           <a:bodyPr/>
           <a:lstStyle/>
           <a:p>
             <a:r>
-              <a:rPr kumimoji="1" lang="zh-CN" altLang="en-US" dirty="0"/>
+              <a:rPr lang="zh-CN" altLang="en-US" dirty="0"/>
               <a:t>清华简约主题</a:t>
             </a:r>
             <a:r>
-              <a:rPr kumimoji="1" lang="en-US" altLang="zh-CN" dirty="0"/>
+              <a:rPr lang="en-US" altLang="zh-CN" dirty="0"/>
               <a:t>PPT</a:t>
             </a:r>
             <a:r>
-              <a:rPr kumimoji="1" lang="zh-CN" altLang="en-US" dirty="0"/>
+              <a:rPr lang="zh-CN" altLang="en-US" dirty="0"/>
               <a:t>模板</a:t>
             </a:r>
             <a:br>
-              <a:rPr kumimoji="1" lang="en-US" altLang="zh-CN" dirty="0"/>
+              <a:rPr lang="en-US" altLang="zh-CN" dirty="0"/>
             </a:br>
             <a:r>
-              <a:rPr kumimoji="1" lang="zh-CN" altLang="en-US" dirty="0"/>
+              <a:rPr lang="zh-CN" altLang="en-US" dirty="0"/>
               <a:t>扁平风格</a:t>
             </a:r>
             <a:r>
-              <a:rPr kumimoji="1" lang="en-US" altLang="zh-CN" dirty="0"/>
+              <a:rPr lang="en-US" altLang="zh-CN" dirty="0"/>
               <a:t>v2</a:t>
             </a:r>
             <a:r>
-              <a:rPr kumimoji="1" lang="zh-CN" altLang="en-US" dirty="0"/>
+              <a:rPr lang="zh-CN" altLang="en-US" dirty="0"/>
               <a:t> </a:t>
             </a:r>
             <a:r>
-              <a:rPr kumimoji="1" lang="en-US" altLang="zh-CN" dirty="0"/>
+              <a:rPr lang="en-US" altLang="zh-CN" dirty="0"/>
               <a:t>16:9</a:t>
             </a:r>
-            <a:endParaRPr kumimoji="1" lang="zh-CN" altLang="en-US" dirty="0"/>
-          </a:p>
-        </p:txBody>
-      </p:sp>
-      <p:sp>
-        <p:nvSpPr>
-          <p:cNvPr id="3" name="副标题 2">
-            <a:extLst>
-              <a:ext uri="{FF2B5EF4-FFF2-40B4-BE49-F238E27FC236}">
-                <a16:creationId xmlns:a16="http://schemas.microsoft.com/office/drawing/2014/main" id="{9456EDC8-6865-C043-9F52-A5101097FB22}"/>
-              </a:ext>
-            </a:extLst>
-          </p:cNvPr>
-          <p:cNvSpPr>
-            <a:spLocks noGrp="1"/>
-          </p:cNvSpPr>
-          <p:nvPr>
-            <p:ph type="subTitle" idx="1"/>
-          </p:nvPr>
-        </p:nvSpPr>
-        <p:spPr/>
-        <p:txBody>
-          <a:bodyPr>
-            <a:normAutofit/>
-          </a:bodyPr>
-          <a:lstStyle/>
-          <a:p>
-            <a:r>
-              <a:rPr kumimoji="1" lang="zh-CN" altLang="en-US" dirty="0"/>
-              <a:t>陈伟浩</a:t>
-            </a:r>
-            <a:endParaRPr kumimoji="1" lang="en-US" altLang="zh-CN" dirty="0"/>
-          </a:p>
-          <a:p>
-            <a:r>
-              <a:rPr kumimoji="1" lang="zh-CN" altLang="en-US" dirty="0"/>
-              <a:t>计算机系</a:t>
-            </a:r>
-            <a:endParaRPr kumimoji="1" lang="en-US" altLang="zh-CN" dirty="0"/>
-          </a:p>
-          <a:p>
-            <a:r>
-              <a:rPr kumimoji="1" lang="en-US" altLang="zh-CN" dirty="0"/>
-              <a:t>2021</a:t>
-            </a:r>
-            <a:r>
-              <a:rPr kumimoji="1" lang="zh-CN" altLang="en-US" dirty="0"/>
-              <a:t>年</a:t>
-            </a:r>
-            <a:r>
-              <a:rPr kumimoji="1" lang="en-US" altLang="zh-CN" dirty="0"/>
-              <a:t>11</a:t>
-            </a:r>
-            <a:r>
-              <a:rPr kumimoji="1" lang="zh-CN" altLang="en-US" dirty="0"/>
-              <a:t>月</a:t>
-            </a:r>
-            <a:r>
-              <a:rPr kumimoji="1" lang="en-US" altLang="zh-CN" dirty="0"/>
-              <a:t>3</a:t>
-            </a:r>
-            <a:r>
-              <a:rPr kumimoji="1" lang="zh-CN" altLang="en-US" dirty="0"/>
-              <a:t>日</a:t>
-            </a:r>
+            <a:endParaRPr lang="zh-CN" altLang="en-US" dirty="0"/>
           </a:p>
         </p:txBody>
       </p:sp>
@@ -4795,40 +4763,45 @@
             <p:ph idx="1"/>
           </p:nvPr>
         </p:nvSpPr>
-        <p:spPr/>
+        <p:spPr>
+          <a:xfrm>
+            <a:off x="1687285" y="2329543"/>
+            <a:ext cx="9923523" cy="3391101"/>
+          </a:xfrm>
+        </p:spPr>
         <p:txBody>
           <a:bodyPr anchor="t"/>
           <a:lstStyle/>
           <a:p>
             <a:r>
-              <a:rPr kumimoji="1" lang="zh-CN" altLang="en-US" dirty="0"/>
+              <a:rPr lang="zh-CN" altLang="en-US" dirty="0"/>
               <a:t>这里可以写你的目录内容</a:t>
             </a:r>
-            <a:endParaRPr kumimoji="1" lang="en-US" altLang="zh-CN" dirty="0"/>
-          </a:p>
-          <a:p>
-            <a:r>
-              <a:rPr kumimoji="1" lang="zh-CN" altLang="en-US" dirty="0"/>
+            <a:endParaRPr lang="en-US" altLang="zh-CN" dirty="0"/>
+          </a:p>
+          <a:p>
+            <a:r>
+              <a:rPr lang="zh-CN" altLang="en-US" dirty="0"/>
               <a:t>一 </a:t>
             </a:r>
             <a:r>
-              <a:rPr kumimoji="1" lang="en-US" altLang="zh-CN" dirty="0"/>
+              <a:rPr lang="en-US" altLang="zh-CN" dirty="0"/>
               <a:t>1.618</a:t>
             </a:r>
           </a:p>
           <a:p>
             <a:r>
-              <a:rPr kumimoji="1" lang="zh-CN" altLang="en-US" dirty="0"/>
+              <a:rPr lang="zh-CN" altLang="en-US" dirty="0"/>
               <a:t>二 </a:t>
             </a:r>
             <a:r>
-              <a:rPr kumimoji="1" lang="en-US" altLang="zh-CN" dirty="0"/>
+              <a:rPr lang="en-US" altLang="zh-CN" dirty="0"/>
               <a:t>0.618</a:t>
             </a:r>
           </a:p>
           <a:p>
             <a:r>
-              <a:rPr kumimoji="1" lang="zh-CN" altLang="en-US" dirty="0"/>
+              <a:rPr lang="zh-CN" altLang="en-US" dirty="0"/>
               <a:t>三</a:t>
             </a:r>
           </a:p>
@@ -4850,20 +4823,25 @@
             <p:ph type="title"/>
           </p:nvPr>
         </p:nvSpPr>
-        <p:spPr/>
+        <p:spPr>
+          <a:xfrm>
+            <a:off x="1687285" y="865998"/>
+            <a:ext cx="9923522" cy="1351451"/>
+          </a:xfrm>
+        </p:spPr>
         <p:txBody>
           <a:bodyPr/>
           <a:lstStyle/>
           <a:p>
             <a:r>
-              <a:rPr kumimoji="1" lang="zh-CN" altLang="en-US" dirty="0"/>
+              <a:rPr lang="zh-CN" altLang="en-US" dirty="0"/>
               <a:t>目录 </a:t>
             </a:r>
             <a:r>
-              <a:rPr kumimoji="1" lang="en-US" altLang="zh-CN" dirty="0"/>
+              <a:rPr lang="en-US" altLang="zh-CN" dirty="0"/>
               <a:t>Contents</a:t>
             </a:r>
-            <a:endParaRPr kumimoji="1" lang="zh-CN" altLang="en-US" dirty="0"/>
+            <a:endParaRPr lang="zh-CN" altLang="en-US" dirty="0"/>
           </a:p>
         </p:txBody>
       </p:sp>
@@ -4913,56 +4891,102 @@
             <p:ph idx="1"/>
           </p:nvPr>
         </p:nvSpPr>
-        <p:spPr/>
+        <p:spPr>
+          <a:xfrm>
+            <a:off x="833377" y="2180498"/>
+            <a:ext cx="10521387" cy="3678303"/>
+          </a:xfrm>
+        </p:spPr>
         <p:txBody>
           <a:bodyPr/>
           <a:lstStyle/>
           <a:p>
             <a:r>
-              <a:rPr kumimoji="1" lang="zh-CN" altLang="en-US" dirty="0"/>
+              <a:rPr lang="zh-CN" altLang="en-US" dirty="0"/>
               <a:t>在</a:t>
             </a:r>
             <a:r>
-              <a:rPr kumimoji="1" lang="en-US" altLang="zh-CN" dirty="0"/>
+              <a:rPr lang="en-US" altLang="zh-CN" dirty="0"/>
               <a:t>PowerPoint</a:t>
             </a:r>
             <a:r>
-              <a:rPr kumimoji="1" lang="zh-CN" altLang="en-US" dirty="0"/>
+              <a:rPr lang="zh-CN" altLang="en-US" dirty="0"/>
               <a:t>的新建幻灯片的选项卡里，可以自己选择合适的页面</a:t>
             </a:r>
-            <a:endParaRPr kumimoji="1" lang="en-US" altLang="zh-CN" dirty="0"/>
-          </a:p>
-          <a:p>
-            <a:r>
-              <a:rPr kumimoji="1" lang="zh-CN" altLang="en-US" dirty="0"/>
+            <a:endParaRPr lang="en-US" altLang="zh-CN" dirty="0"/>
+          </a:p>
+          <a:p>
+            <a:r>
+              <a:rPr lang="zh-CN" altLang="en-US" dirty="0"/>
               <a:t>本清华主题模板实际上编辑了幻灯片母版，使图案和配色固定下来，使用时可类似于使用</a:t>
             </a:r>
             <a:r>
-              <a:rPr kumimoji="1" lang="en-US" altLang="zh-CN" dirty="0"/>
+              <a:rPr lang="en-US" altLang="zh-CN" dirty="0"/>
               <a:t>office</a:t>
             </a:r>
             <a:r>
-              <a:rPr kumimoji="1" lang="zh-CN" altLang="en-US" dirty="0"/>
+              <a:rPr lang="zh-CN" altLang="en-US" dirty="0"/>
               <a:t>自带模板一样不必为模板细节操心</a:t>
             </a:r>
-            <a:endParaRPr kumimoji="1" lang="en-US" altLang="zh-CN" dirty="0"/>
-          </a:p>
-          <a:p>
-            <a:r>
-              <a:rPr kumimoji="1" lang="zh-CN" altLang="en-US" dirty="0"/>
+            <a:endParaRPr lang="en-US" altLang="zh-CN" dirty="0"/>
+          </a:p>
+          <a:p>
+            <a:r>
+              <a:rPr lang="zh-CN" altLang="en-US" dirty="0"/>
               <a:t>如果需要定制，可自行编辑幻灯片母版</a:t>
             </a:r>
-            <a:endParaRPr kumimoji="1" lang="en-US" altLang="zh-CN" dirty="0"/>
-          </a:p>
-          <a:p>
-            <a:r>
-              <a:rPr kumimoji="1" lang="zh-CN" altLang="en-US" dirty="0"/>
-              <a:t>本模板已取消英文在标题中全部大写的设置</a:t>
-            </a:r>
-            <a:endParaRPr kumimoji="1" lang="en-US" altLang="zh-CN" dirty="0"/>
-          </a:p>
-          <a:p>
-            <a:endParaRPr kumimoji="1" lang="zh-CN" altLang="en-US" dirty="0"/>
+            <a:endParaRPr lang="en-US" altLang="zh-CN" dirty="0"/>
+          </a:p>
+          <a:p>
+            <a:r>
+              <a:rPr lang="zh-CN" altLang="en-US" dirty="0"/>
+              <a:t>这个</a:t>
+            </a:r>
+            <a:r>
+              <a:rPr lang="en-US" altLang="zh-CN" dirty="0"/>
+              <a:t>PPT</a:t>
+            </a:r>
+            <a:r>
+              <a:rPr lang="zh-CN" altLang="en-US" dirty="0"/>
+              <a:t>模板来自：</a:t>
+            </a:r>
+            <a:r>
+              <a:rPr lang="en-US" altLang="zh-CN" dirty="0">
+                <a:hlinkClick r:id="rId2"/>
+              </a:rPr>
+              <a:t>https://github.com/atomiechen/THU-PPT-Theme</a:t>
+            </a:r>
+            <a:endParaRPr lang="en-US" altLang="zh-CN" dirty="0"/>
+          </a:p>
+          <a:p>
+            <a:pPr lvl="1"/>
+            <a:r>
+              <a:rPr lang="zh-CN" altLang="en-US" dirty="0"/>
+              <a:t>如果大家喜欢，欢迎给我</a:t>
+            </a:r>
+            <a:r>
+              <a:rPr lang="en-US" altLang="zh-CN" dirty="0"/>
+              <a:t>star</a:t>
+            </a:r>
+            <a:r>
+              <a:rPr lang="zh-CN" altLang="en-US" dirty="0"/>
+              <a:t>，也欢迎</a:t>
+            </a:r>
+            <a:r>
+              <a:rPr lang="en-US" altLang="zh-CN" dirty="0"/>
+              <a:t>PR</a:t>
+            </a:r>
+            <a:r>
+              <a:rPr lang="zh-CN" altLang="en-US" dirty="0"/>
+              <a:t>贡献更多变体！</a:t>
+            </a:r>
+            <a:endParaRPr lang="en-US" altLang="zh-CN" dirty="0"/>
+          </a:p>
+          <a:p>
+            <a:endParaRPr lang="en-US" altLang="zh-CN" dirty="0"/>
+          </a:p>
+          <a:p>
+            <a:endParaRPr lang="zh-CN" altLang="en-US" dirty="0"/>
           </a:p>
         </p:txBody>
       </p:sp>
@@ -4982,13 +5006,18 @@
             <p:ph type="title"/>
           </p:nvPr>
         </p:nvSpPr>
-        <p:spPr/>
+        <p:spPr>
+          <a:xfrm>
+            <a:off x="835306" y="593424"/>
+            <a:ext cx="10521388" cy="1015200"/>
+          </a:xfrm>
+        </p:spPr>
         <p:txBody>
           <a:bodyPr/>
           <a:lstStyle/>
           <a:p>
             <a:r>
-              <a:rPr kumimoji="1" lang="zh-CN" altLang="en-US" dirty="0"/>
+              <a:rPr lang="zh-CN" altLang="en-US" dirty="0"/>
               <a:t>使用方法</a:t>
             </a:r>
           </a:p>
@@ -5040,16 +5069,21 @@
             <p:ph type="body" idx="1"/>
           </p:nvPr>
         </p:nvSpPr>
-        <p:spPr/>
+        <p:spPr>
+          <a:xfrm>
+            <a:off x="887220" y="2250894"/>
+            <a:ext cx="5087075" cy="536005"/>
+          </a:xfrm>
+        </p:spPr>
         <p:txBody>
           <a:bodyPr/>
           <a:lstStyle/>
           <a:p>
             <a:r>
-              <a:rPr kumimoji="1" lang="en-US" altLang="zh-CN" dirty="0"/>
+              <a:rPr lang="en-US" altLang="zh-CN" dirty="0"/>
               <a:t>Foo</a:t>
             </a:r>
-            <a:endParaRPr kumimoji="1" lang="zh-CN" altLang="en-US" dirty="0"/>
+            <a:endParaRPr lang="zh-CN" altLang="en-US" dirty="0"/>
           </a:p>
         </p:txBody>
       </p:sp>
@@ -5069,38 +5103,56 @@
             <p:ph sz="half" idx="2"/>
           </p:nvPr>
         </p:nvSpPr>
-        <p:spPr/>
+        <p:spPr>
+          <a:xfrm>
+            <a:off x="581195" y="2926054"/>
+            <a:ext cx="5393100" cy="2934999"/>
+          </a:xfrm>
+        </p:spPr>
         <p:txBody>
           <a:bodyPr/>
           <a:lstStyle/>
           <a:p>
             <a:r>
-              <a:rPr kumimoji="1" lang="en-US" altLang="zh-CN" dirty="0"/>
+              <a:rPr lang="en-US" altLang="zh-CN" dirty="0"/>
               <a:t>What you see is what you get</a:t>
             </a:r>
           </a:p>
           <a:p>
             <a:r>
-              <a:rPr kumimoji="1" lang="zh-CN" altLang="en-US" dirty="0"/>
+              <a:rPr lang="zh-CN" altLang="en-US" dirty="0"/>
               <a:t>扫地机科学与技术</a:t>
             </a:r>
-            <a:endParaRPr kumimoji="1" lang="en-US" altLang="zh-CN" dirty="0"/>
-          </a:p>
-          <a:p>
-            <a:r>
-              <a:rPr kumimoji="1" lang="zh-CN" altLang="en-US" dirty="0"/>
+            <a:endParaRPr lang="en-US" altLang="zh-CN" dirty="0"/>
+          </a:p>
+          <a:p>
+            <a:r>
+              <a:rPr lang="zh-CN" altLang="en-US" dirty="0"/>
               <a:t>一行不够，两行充数</a:t>
             </a:r>
-            <a:endParaRPr kumimoji="1" lang="en-US" altLang="zh-CN" dirty="0"/>
-          </a:p>
-          <a:p>
-            <a:r>
-              <a:rPr kumimoji="1" lang="zh-CN" altLang="en-US" dirty="0"/>
+            <a:endParaRPr lang="en-US" altLang="zh-CN" dirty="0"/>
+          </a:p>
+          <a:p>
+            <a:r>
+              <a:rPr lang="zh-CN" altLang="en-US" dirty="0"/>
               <a:t>更多页面款式供你选！</a:t>
             </a:r>
-          </a:p>
-          <a:p>
-            <a:endParaRPr kumimoji="1" lang="zh-CN" altLang="en-US" dirty="0"/>
+            <a:endParaRPr lang="en-US" altLang="zh-CN" dirty="0"/>
+          </a:p>
+          <a:p>
+            <a:r>
+              <a:rPr lang="en-US" altLang="zh-CN" dirty="0">
+                <a:hlinkClick r:id="rId2"/>
+              </a:rPr>
+              <a:t>https://github.com/atomiechen/THU-PPT-Theme</a:t>
+            </a:r>
+            <a:endParaRPr lang="en-US" altLang="zh-CN" dirty="0"/>
+          </a:p>
+          <a:p>
+            <a:endParaRPr lang="zh-CN" altLang="en-US" dirty="0"/>
+          </a:p>
+          <a:p>
+            <a:endParaRPr lang="zh-CN" altLang="en-US" dirty="0"/>
           </a:p>
         </p:txBody>
       </p:sp>
@@ -5120,16 +5172,21 @@
             <p:ph type="body" sz="quarter" idx="3"/>
           </p:nvPr>
         </p:nvSpPr>
-        <p:spPr/>
+        <p:spPr>
+          <a:xfrm>
+            <a:off x="6523737" y="2250894"/>
+            <a:ext cx="5087073" cy="553373"/>
+          </a:xfrm>
+        </p:spPr>
         <p:txBody>
           <a:bodyPr/>
           <a:lstStyle/>
           <a:p>
             <a:r>
-              <a:rPr kumimoji="1" lang="en-US" altLang="zh-CN" dirty="0"/>
+              <a:rPr lang="en-US" altLang="zh-CN" dirty="0"/>
               <a:t>Bar</a:t>
             </a:r>
-            <a:endParaRPr kumimoji="1" lang="zh-CN" altLang="en-US" dirty="0"/>
+            <a:endParaRPr lang="zh-CN" altLang="en-US" dirty="0"/>
           </a:p>
         </p:txBody>
       </p:sp>
@@ -5149,74 +5206,101 @@
             <p:ph sz="quarter" idx="4"/>
           </p:nvPr>
         </p:nvSpPr>
-        <p:spPr/>
+        <p:spPr>
+          <a:xfrm>
+            <a:off x="6217710" y="2926054"/>
+            <a:ext cx="5393100" cy="2934999"/>
+          </a:xfrm>
+        </p:spPr>
         <p:txBody>
           <a:bodyPr/>
           <a:lstStyle/>
           <a:p>
             <a:r>
-              <a:rPr kumimoji="1" lang="en" altLang="zh-CN" dirty="0"/>
+              <a:rPr lang="en" altLang="zh-CN" dirty="0"/>
               <a:t>Made by</a:t>
             </a:r>
             <a:r>
-              <a:rPr kumimoji="1" lang="zh-CN" altLang="en-US" dirty="0"/>
+              <a:rPr lang="zh-CN" altLang="en-US" dirty="0"/>
               <a:t> </a:t>
             </a:r>
             <a:r>
-              <a:rPr kumimoji="1" lang="en" altLang="zh-CN" dirty="0"/>
+              <a:rPr lang="en" altLang="zh-CN" dirty="0"/>
               <a:t>Weihao CHEN</a:t>
             </a:r>
           </a:p>
           <a:p>
             <a:r>
-              <a:rPr kumimoji="1" lang="en-US" altLang="zh-CN" dirty="0"/>
+              <a:rPr lang="en-US" altLang="zh-CN" dirty="0"/>
               <a:t>Sweeper</a:t>
             </a:r>
             <a:r>
-              <a:rPr kumimoji="1" lang="zh-CN" altLang="en-US" dirty="0"/>
+              <a:rPr lang="zh-CN" altLang="en-US" dirty="0"/>
               <a:t> </a:t>
             </a:r>
             <a:r>
-              <a:rPr kumimoji="1" lang="en-US" altLang="zh-CN" dirty="0"/>
+              <a:rPr lang="en-US" altLang="zh-CN" dirty="0"/>
               <a:t>Science</a:t>
             </a:r>
             <a:r>
-              <a:rPr kumimoji="1" lang="zh-CN" altLang="en-US" dirty="0"/>
+              <a:rPr lang="zh-CN" altLang="en-US" dirty="0"/>
               <a:t> </a:t>
             </a:r>
             <a:r>
-              <a:rPr kumimoji="1" lang="en-US" altLang="zh-CN" dirty="0"/>
+              <a:rPr lang="en-US" altLang="zh-CN" dirty="0"/>
               <a:t>and</a:t>
             </a:r>
             <a:r>
-              <a:rPr kumimoji="1" lang="zh-CN" altLang="en-US" dirty="0"/>
+              <a:rPr lang="zh-CN" altLang="en-US" dirty="0"/>
               <a:t> </a:t>
             </a:r>
             <a:r>
-              <a:rPr kumimoji="1" lang="en-US" altLang="zh-CN" dirty="0"/>
+              <a:rPr lang="en-US" altLang="zh-CN" dirty="0"/>
               <a:t>Technology</a:t>
             </a:r>
           </a:p>
           <a:p>
             <a:r>
-              <a:rPr kumimoji="1" lang="zh-CN" altLang="en-US" dirty="0"/>
+              <a:rPr lang="zh-CN" altLang="en-US" dirty="0"/>
               <a:t>一个清净的主题模板</a:t>
             </a:r>
-            <a:endParaRPr kumimoji="1" lang="en-US" altLang="zh-CN" dirty="0"/>
-          </a:p>
-          <a:p>
-            <a:r>
-              <a:rPr kumimoji="1" lang="zh-CN" altLang="en" dirty="0"/>
+            <a:endParaRPr lang="en-US" altLang="zh-CN" dirty="0"/>
+          </a:p>
+          <a:p>
+            <a:r>
+              <a:rPr lang="zh-CN" altLang="en" dirty="0"/>
               <a:t>欢迎大家</a:t>
             </a:r>
             <a:r>
-              <a:rPr kumimoji="1" lang="zh-CN" altLang="en-US" dirty="0"/>
+              <a:rPr lang="zh-CN" altLang="en-US" dirty="0"/>
               <a:t>广而传播使用！</a:t>
             </a:r>
-            <a:endParaRPr kumimoji="1" lang="en" altLang="zh-CN" dirty="0"/>
-          </a:p>
-          <a:p>
-            <a:endParaRPr kumimoji="1" lang="zh-CN" altLang="en-US" dirty="0"/>
+            <a:endParaRPr lang="en-US" altLang="zh-CN" dirty="0"/>
+          </a:p>
+          <a:p>
+            <a:r>
+              <a:rPr lang="zh-CN" altLang="en" dirty="0"/>
+              <a:t>链接</a:t>
+            </a:r>
+            <a:r>
+              <a:rPr lang="zh-CN" altLang="en-US" dirty="0"/>
+              <a:t>点开之后颜色会有变化（欢迎</a:t>
+            </a:r>
+            <a:r>
+              <a:rPr lang="en-US" altLang="zh-CN" dirty="0"/>
+              <a:t>star</a:t>
+            </a:r>
+            <a:r>
+              <a:rPr lang="zh-CN" altLang="en-US" dirty="0"/>
+              <a:t>）</a:t>
+            </a:r>
+            <a:endParaRPr lang="en-US" altLang="zh-CN" dirty="0"/>
+          </a:p>
+          <a:p>
+            <a:endParaRPr lang="en" altLang="zh-CN" dirty="0"/>
+          </a:p>
+          <a:p>
+            <a:endParaRPr lang="zh-CN" altLang="en-US" dirty="0"/>
           </a:p>
         </p:txBody>
       </p:sp>
@@ -5236,20 +5320,25 @@
             <p:ph type="title"/>
           </p:nvPr>
         </p:nvSpPr>
-        <p:spPr/>
+        <p:spPr>
+          <a:xfrm>
+            <a:off x="835306" y="593424"/>
+            <a:ext cx="10521388" cy="1015200"/>
+          </a:xfrm>
+        </p:spPr>
         <p:txBody>
           <a:bodyPr/>
           <a:lstStyle/>
           <a:p>
             <a:r>
-              <a:rPr kumimoji="1" lang="zh-CN" altLang="en-US" dirty="0"/>
+              <a:rPr lang="zh-CN" altLang="en-US" dirty="0"/>
               <a:t>艾敝舍 </a:t>
             </a:r>
             <a:r>
-              <a:rPr kumimoji="1" lang="en-US" altLang="zh-CN" dirty="0"/>
+              <a:rPr lang="en-US" altLang="zh-CN" dirty="0"/>
               <a:t>Title Here</a:t>
             </a:r>
-            <a:endParaRPr kumimoji="1" lang="zh-CN" altLang="en-US" dirty="0"/>
+            <a:endParaRPr lang="zh-CN" altLang="en-US" dirty="0"/>
           </a:p>
         </p:txBody>
       </p:sp>
@@ -5299,13 +5388,18 @@
             <p:ph type="title"/>
           </p:nvPr>
         </p:nvSpPr>
-        <p:spPr/>
+        <p:spPr>
+          <a:xfrm>
+            <a:off x="581193" y="4395677"/>
+            <a:ext cx="11029616" cy="566738"/>
+          </a:xfrm>
+        </p:spPr>
         <p:txBody>
           <a:bodyPr/>
           <a:lstStyle/>
           <a:p>
             <a:r>
-              <a:rPr kumimoji="1" lang="zh-CN" altLang="en-US" dirty="0"/>
+              <a:rPr lang="zh-CN" altLang="en-US" dirty="0"/>
               <a:t>可以使用的页面如上</a:t>
             </a:r>
           </a:p>
@@ -5327,13 +5421,18 @@
             <p:ph type="body" sz="half" idx="2"/>
           </p:nvPr>
         </p:nvSpPr>
-        <p:spPr/>
+        <p:spPr>
+          <a:xfrm>
+            <a:off x="581193" y="4962417"/>
+            <a:ext cx="11029617" cy="598671"/>
+          </a:xfrm>
+        </p:spPr>
         <p:txBody>
           <a:bodyPr/>
           <a:lstStyle/>
           <a:p>
             <a:r>
-              <a:rPr kumimoji="1" lang="zh-CN" altLang="en-US" dirty="0"/>
+              <a:rPr lang="zh-CN" altLang="en-US" dirty="0"/>
               <a:t>本页空白比较大，可以放图等内容</a:t>
             </a:r>
           </a:p>
@@ -5341,10 +5440,10 @@
       </p:sp>
       <p:pic>
         <p:nvPicPr>
-          <p:cNvPr id="6" name="图片 5">
+          <p:cNvPr id="3" name="图片 2">
             <a:extLst>
               <a:ext uri="{FF2B5EF4-FFF2-40B4-BE49-F238E27FC236}">
-                <a16:creationId xmlns:a16="http://schemas.microsoft.com/office/drawing/2014/main" id="{BA491F93-CF1B-441A-978B-92FFCDF2C867}"/>
+                <a16:creationId xmlns:a16="http://schemas.microsoft.com/office/drawing/2014/main" id="{B63398E7-CD18-5C4C-B542-15D26B5574BA}"/>
               </a:ext>
             </a:extLst>
           </p:cNvPr>
@@ -5361,8 +5460,8 @@
         </p:blipFill>
         <p:spPr>
           <a:xfrm>
-            <a:off x="4506413" y="741762"/>
-            <a:ext cx="3179173" cy="3653915"/>
+            <a:off x="2711208" y="1089478"/>
+            <a:ext cx="6769583" cy="3174990"/>
           </a:xfrm>
           <a:prstGeom prst="rect">
             <a:avLst/>
@@ -5412,16 +5511,21 @@
             <a:spLocks noGrp="1"/>
           </p:cNvSpPr>
           <p:nvPr>
-            <p:ph type="ctrTitle"/>
-          </p:nvPr>
-        </p:nvSpPr>
-        <p:spPr/>
+            <p:ph type="title"/>
+          </p:nvPr>
+        </p:nvSpPr>
+        <p:spPr>
+          <a:xfrm>
+            <a:off x="963167" y="2022534"/>
+            <a:ext cx="10267200" cy="1382400"/>
+          </a:xfrm>
+        </p:spPr>
         <p:txBody>
           <a:bodyPr/>
           <a:lstStyle/>
           <a:p>
             <a:r>
-              <a:rPr kumimoji="1" lang="zh-CN" altLang="en-US" dirty="0"/>
+              <a:rPr lang="zh-CN" altLang="en-US" dirty="0"/>
               <a:t>下一个章节</a:t>
             </a:r>
           </a:p>
@@ -5443,20 +5547,25 @@
             <p:ph type="subTitle" idx="1"/>
           </p:nvPr>
         </p:nvSpPr>
-        <p:spPr/>
+        <p:spPr>
+          <a:xfrm>
+            <a:off x="963167" y="3819054"/>
+            <a:ext cx="10265664" cy="1340999"/>
+          </a:xfrm>
+        </p:spPr>
         <p:txBody>
           <a:bodyPr/>
           <a:lstStyle/>
           <a:p>
             <a:r>
-              <a:rPr kumimoji="1" lang="zh-CN" altLang="en-US" dirty="0"/>
+              <a:rPr lang="zh-CN" altLang="en-US" dirty="0"/>
               <a:t>我们需要进入一些</a:t>
             </a:r>
             <a:r>
-              <a:rPr kumimoji="1" lang="en-US" altLang="zh-CN" dirty="0"/>
+              <a:rPr lang="en-US" altLang="zh-CN" dirty="0"/>
               <a:t>details</a:t>
             </a:r>
-            <a:endParaRPr kumimoji="1" lang="zh-CN" altLang="en-US" dirty="0"/>
+            <a:endParaRPr lang="zh-CN" altLang="en-US" dirty="0"/>
           </a:p>
         </p:txBody>
       </p:sp>
@@ -5506,13 +5615,18 @@
             <p:ph type="title"/>
           </p:nvPr>
         </p:nvSpPr>
-        <p:spPr/>
+        <p:spPr>
+          <a:xfrm>
+            <a:off x="1021463" y="4928762"/>
+            <a:ext cx="10333301" cy="653148"/>
+          </a:xfrm>
+        </p:spPr>
         <p:txBody>
           <a:bodyPr/>
           <a:lstStyle/>
           <a:p>
             <a:r>
-              <a:rPr kumimoji="1" lang="zh-CN" altLang="en-US" dirty="0"/>
+              <a:rPr lang="zh-CN" altLang="en-US" dirty="0"/>
               <a:t>标题在下方</a:t>
             </a:r>
           </a:p>
@@ -5520,10 +5634,10 @@
       </p:sp>
       <p:sp>
         <p:nvSpPr>
-          <p:cNvPr id="3" name="内容占位符 2">
+          <p:cNvPr id="7" name="内容占位符 6">
             <a:extLst>
               <a:ext uri="{FF2B5EF4-FFF2-40B4-BE49-F238E27FC236}">
-                <a16:creationId xmlns:a16="http://schemas.microsoft.com/office/drawing/2014/main" id="{1B1C8FA0-CD7D-D748-97A6-257757645F77}"/>
+                <a16:creationId xmlns:a16="http://schemas.microsoft.com/office/drawing/2014/main" id="{543E113D-D6A1-834B-9CBF-D374E35E79DD}"/>
               </a:ext>
             </a:extLst>
           </p:cNvPr>
@@ -5539,7 +5653,7 @@
           <a:bodyPr/>
           <a:lstStyle/>
           <a:p>
-            <a:endParaRPr kumimoji="1" lang="zh-CN" altLang="en-US" dirty="0"/>
+            <a:endParaRPr lang="zh-CN" altLang="en-US"/>
           </a:p>
         </p:txBody>
       </p:sp>
@@ -5559,13 +5673,18 @@
             <p:ph type="body" sz="half" idx="2"/>
           </p:nvPr>
         </p:nvSpPr>
-        <p:spPr/>
+        <p:spPr>
+          <a:xfrm>
+            <a:off x="1021463" y="5581910"/>
+            <a:ext cx="10333301" cy="365126"/>
+          </a:xfrm>
+        </p:spPr>
         <p:txBody>
           <a:bodyPr/>
           <a:lstStyle/>
           <a:p>
             <a:r>
-              <a:rPr kumimoji="1" lang="zh-CN" altLang="en-US" dirty="0"/>
+              <a:rPr lang="zh-CN" altLang="en-US" dirty="0"/>
               <a:t>这是一个不同的设计</a:t>
             </a:r>
           </a:p>
@@ -5617,13 +5736,18 @@
             <p:ph type="title" orient="vert"/>
           </p:nvPr>
         </p:nvSpPr>
-        <p:spPr/>
+        <p:spPr>
+          <a:xfrm>
+            <a:off x="9169649" y="675726"/>
+            <a:ext cx="1899496" cy="5183073"/>
+          </a:xfrm>
+        </p:spPr>
         <p:txBody>
           <a:bodyPr/>
           <a:lstStyle/>
           <a:p>
             <a:r>
-              <a:rPr kumimoji="1" lang="zh-CN" altLang="en-US" dirty="0"/>
+              <a:rPr lang="zh-CN" altLang="en-US" dirty="0"/>
               <a:t>竖排文本</a:t>
             </a:r>
           </a:p>
@@ -5645,20 +5769,25 @@
             <p:ph type="body" orient="vert" idx="1"/>
           </p:nvPr>
         </p:nvSpPr>
-        <p:spPr/>
+        <p:spPr>
+          <a:xfrm>
+            <a:off x="774923" y="675726"/>
+            <a:ext cx="7791611" cy="5183073"/>
+          </a:xfrm>
+        </p:spPr>
         <p:txBody>
           <a:bodyPr/>
           <a:lstStyle/>
           <a:p>
             <a:r>
-              <a:rPr kumimoji="1" lang="zh-CN" altLang="en-US" dirty="0"/>
+              <a:rPr lang="zh-CN" altLang="en-US" dirty="0"/>
               <a:t>这里还可以写一些竖排文本，效果大概是这样的</a:t>
             </a:r>
-            <a:endParaRPr kumimoji="1" lang="en-US" altLang="zh-CN" dirty="0"/>
-          </a:p>
-          <a:p>
-            <a:r>
-              <a:rPr kumimoji="1" lang="zh-CN" altLang="en-US" dirty="0"/>
+            <a:endParaRPr lang="en-US" altLang="zh-CN" dirty="0"/>
+          </a:p>
+          <a:p>
+            <a:r>
+              <a:rPr lang="zh-CN" altLang="en-US" dirty="0"/>
               <a:t>扫地机科学与技术</a:t>
             </a:r>
           </a:p>
@@ -5696,6 +5825,66 @@
       </p:grpSpPr>
       <p:sp>
         <p:nvSpPr>
+          <p:cNvPr id="3" name="副标题 2">
+            <a:extLst>
+              <a:ext uri="{FF2B5EF4-FFF2-40B4-BE49-F238E27FC236}">
+                <a16:creationId xmlns:a16="http://schemas.microsoft.com/office/drawing/2014/main" id="{0486DF19-DC1B-514A-8C02-64E0ECCD2C31}"/>
+              </a:ext>
+            </a:extLst>
+          </p:cNvPr>
+          <p:cNvSpPr>
+            <a:spLocks noGrp="1"/>
+          </p:cNvSpPr>
+          <p:nvPr>
+            <p:ph type="subTitle" idx="1"/>
+          </p:nvPr>
+        </p:nvSpPr>
+        <p:spPr>
+          <a:xfrm>
+            <a:off x="1221831" y="3819054"/>
+            <a:ext cx="9748337" cy="1340999"/>
+          </a:xfrm>
+        </p:spPr>
+        <p:txBody>
+          <a:bodyPr/>
+          <a:lstStyle/>
+          <a:p>
+            <a:r>
+              <a:rPr lang="en-US" altLang="zh-CN" dirty="0" err="1"/>
+              <a:t>Atomie</a:t>
+            </a:r>
+            <a:endParaRPr lang="en-US" altLang="zh-CN" dirty="0"/>
+          </a:p>
+          <a:p>
+            <a:r>
+              <a:rPr lang="en-US" altLang="zh-CN" dirty="0"/>
+              <a:t>9999</a:t>
+            </a:r>
+            <a:r>
+              <a:rPr lang="zh-CN" altLang="en-US" dirty="0"/>
+              <a:t>年</a:t>
+            </a:r>
+            <a:r>
+              <a:rPr lang="en-US" altLang="zh-CN" dirty="0"/>
+              <a:t>13</a:t>
+            </a:r>
+            <a:r>
+              <a:rPr lang="zh-CN" altLang="en-US" dirty="0"/>
+              <a:t>月</a:t>
+            </a:r>
+            <a:r>
+              <a:rPr lang="en-US" altLang="zh-CN" dirty="0"/>
+              <a:t>32</a:t>
+            </a:r>
+            <a:r>
+              <a:rPr lang="zh-CN" altLang="en-US" dirty="0"/>
+              <a:t>日</a:t>
+            </a:r>
+          </a:p>
+        </p:txBody>
+      </p:sp>
+      <p:sp>
+        <p:nvSpPr>
           <p:cNvPr id="2" name="标题 1">
             <a:extLst>
               <a:ext uri="{FF2B5EF4-FFF2-40B4-BE49-F238E27FC236}">
@@ -5707,72 +5896,22 @@
             <a:spLocks noGrp="1"/>
           </p:cNvSpPr>
           <p:nvPr>
-            <p:ph type="ctrTitle"/>
-          </p:nvPr>
-        </p:nvSpPr>
-        <p:spPr/>
+            <p:ph type="title"/>
+          </p:nvPr>
+        </p:nvSpPr>
+        <p:spPr>
+          <a:xfrm>
+            <a:off x="1221831" y="2028083"/>
+            <a:ext cx="9748800" cy="1317600"/>
+          </a:xfrm>
+        </p:spPr>
         <p:txBody>
           <a:bodyPr/>
           <a:lstStyle/>
           <a:p>
             <a:r>
-              <a:rPr kumimoji="1" lang="zh-CN" altLang="en-US" dirty="0"/>
+              <a:rPr lang="zh-CN" altLang="en-US" dirty="0"/>
               <a:t>感谢使用和支持！</a:t>
-            </a:r>
-          </a:p>
-        </p:txBody>
-      </p:sp>
-      <p:sp>
-        <p:nvSpPr>
-          <p:cNvPr id="3" name="副标题 2">
-            <a:extLst>
-              <a:ext uri="{FF2B5EF4-FFF2-40B4-BE49-F238E27FC236}">
-                <a16:creationId xmlns:a16="http://schemas.microsoft.com/office/drawing/2014/main" id="{0486DF19-DC1B-514A-8C02-64E0ECCD2C31}"/>
-              </a:ext>
-            </a:extLst>
-          </p:cNvPr>
-          <p:cNvSpPr>
-            <a:spLocks noGrp="1"/>
-          </p:cNvSpPr>
-          <p:nvPr>
-            <p:ph type="subTitle" idx="1"/>
-          </p:nvPr>
-        </p:nvSpPr>
-        <p:spPr/>
-        <p:txBody>
-          <a:bodyPr/>
-          <a:lstStyle/>
-          <a:p>
-            <a:r>
-              <a:rPr kumimoji="1" lang="en-US" altLang="zh-CN" dirty="0" err="1"/>
-              <a:t>Atomie</a:t>
-            </a:r>
-            <a:endParaRPr kumimoji="1" lang="en-US" altLang="zh-CN" dirty="0"/>
-          </a:p>
-          <a:p>
-            <a:r>
-              <a:rPr kumimoji="1" lang="en-US" altLang="zh-CN" dirty="0"/>
-              <a:t>9999</a:t>
-            </a:r>
-            <a:r>
-              <a:rPr kumimoji="1" lang="zh-CN" altLang="en-US" dirty="0"/>
-              <a:t>年</a:t>
-            </a:r>
-            <a:r>
-              <a:rPr kumimoji="1" lang="en-US" altLang="zh-CN" dirty="0"/>
-              <a:t>13</a:t>
-            </a:r>
-            <a:r>
-              <a:rPr kumimoji="1" lang="zh-CN" altLang="en-US" dirty="0"/>
-              <a:t>月</a:t>
-            </a:r>
-            <a:r>
-              <a:rPr kumimoji="1" lang="en-US" altLang="zh-CN" dirty="0"/>
-              <a:t>32</a:t>
-            </a:r>
-            <a:r>
-              <a:rPr kumimoji="1" lang="zh-CN" altLang="en-US" dirty="0"/>
-              <a:t>日</a:t>
             </a:r>
           </a:p>
         </p:txBody>
@@ -5793,7 +5932,7 @@
 <file path=ppt/theme/theme1.xml><?xml version="1.0" encoding="utf-8"?>
 <a:theme xmlns:a="http://schemas.openxmlformats.org/drawingml/2006/main" name="清华简约主题-扁平-16:9">
   <a:themeElements>
-    <a:clrScheme name="自定义 6">
+    <a:clrScheme name="清华紫主题">
       <a:dk1>
         <a:srgbClr val="000000"/>
       </a:dk1>
@@ -5807,10 +5946,10 @@
         <a:srgbClr val="EBEBEB"/>
       </a:lt2>
       <a:accent1>
-        <a:srgbClr val="5B2F7C"/>
+        <a:srgbClr val="660874"/>
       </a:accent1>
       <a:accent2>
-        <a:srgbClr val="5C2F7D"/>
+        <a:srgbClr val="660874"/>
       </a:accent2>
       <a:accent3>
         <a:srgbClr val="E6C46D"/>
@@ -5825,10 +5964,10 @@
         <a:srgbClr val="5A8071"/>
       </a:accent6>
       <a:hlink>
-        <a:srgbClr val="828282"/>
+        <a:srgbClr val="007698"/>
       </a:hlink>
       <a:folHlink>
-        <a:srgbClr val="A5A5A5"/>
+        <a:srgbClr val="43064C"/>
       </a:folHlink>
     </a:clrScheme>
     <a:fontScheme name="红利">
